--- a/presentation.pptx
+++ b/presentation.pptx
@@ -42,6 +42,8 @@
     <p:sldId id="290" r:id="rId37"/>
     <p:sldId id="291" r:id="rId38"/>
     <p:sldId id="292" r:id="rId39"/>
+    <p:sldId id="293" r:id="rId40"/>
+    <p:sldId id="294" r:id="rId41"/>
   </p:sldIdLst>
   <p:sldSz cx="12192000" cy="6858000"/>
   <p:notesSz cx="7559675" cy="10691813"/>
@@ -115,10 +117,10 @@
             <a:noAutofit/>
           </a:bodyPr>
           <a:p>
-            <a:endParaRPr b="0" lang="es-ES" sz="1800" spc="-1" strike="noStrike">
-              <a:solidFill>
-                <a:srgbClr val="000000"/>
-              </a:solidFill>
+            <a:pPr algn="ctr">
+              <a:buNone/>
+            </a:pPr>
+            <a:endParaRPr b="0" lang="es-ES" sz="4400" spc="-1" strike="noStrike">
               <a:latin typeface="Arial"/>
             </a:endParaRPr>
           </a:p>
@@ -152,19 +154,7 @@
             <a:normAutofit/>
           </a:bodyPr>
           <a:p>
-            <a:pPr>
-              <a:lnSpc>
-                <a:spcPct val="90000"/>
-              </a:lnSpc>
-              <a:spcBef>
-                <a:spcPts val="1417"/>
-              </a:spcBef>
-              <a:buNone/>
-            </a:pPr>
-            <a:endParaRPr b="0" lang="es-ES" sz="2800" spc="-1" strike="noStrike">
-              <a:solidFill>
-                <a:srgbClr val="000000"/>
-              </a:solidFill>
+            <a:endParaRPr b="0" lang="es-ES" sz="3200" spc="-1" strike="noStrike">
               <a:latin typeface="Arial"/>
             </a:endParaRPr>
           </a:p>
@@ -198,19 +188,7 @@
             <a:normAutofit/>
           </a:bodyPr>
           <a:p>
-            <a:pPr>
-              <a:lnSpc>
-                <a:spcPct val="90000"/>
-              </a:lnSpc>
-              <a:spcBef>
-                <a:spcPts val="1417"/>
-              </a:spcBef>
-              <a:buNone/>
-            </a:pPr>
-            <a:endParaRPr b="0" lang="es-ES" sz="2800" spc="-1" strike="noStrike">
-              <a:solidFill>
-                <a:srgbClr val="000000"/>
-              </a:solidFill>
+            <a:endParaRPr b="0" lang="es-ES" sz="3200" spc="-1" strike="noStrike">
               <a:latin typeface="Arial"/>
             </a:endParaRPr>
           </a:p>
@@ -266,10 +244,10 @@
             <a:noAutofit/>
           </a:bodyPr>
           <a:p>
-            <a:endParaRPr b="0" lang="es-ES" sz="1800" spc="-1" strike="noStrike">
-              <a:solidFill>
-                <a:srgbClr val="000000"/>
-              </a:solidFill>
+            <a:pPr algn="ctr">
+              <a:buNone/>
+            </a:pPr>
+            <a:endParaRPr b="0" lang="es-ES" sz="4400" spc="-1" strike="noStrike">
               <a:latin typeface="Arial"/>
             </a:endParaRPr>
           </a:p>
@@ -303,19 +281,7 @@
             <a:normAutofit/>
           </a:bodyPr>
           <a:p>
-            <a:pPr>
-              <a:lnSpc>
-                <a:spcPct val="90000"/>
-              </a:lnSpc>
-              <a:spcBef>
-                <a:spcPts val="1417"/>
-              </a:spcBef>
-              <a:buNone/>
-            </a:pPr>
-            <a:endParaRPr b="0" lang="es-ES" sz="2800" spc="-1" strike="noStrike">
-              <a:solidFill>
-                <a:srgbClr val="000000"/>
-              </a:solidFill>
+            <a:endParaRPr b="0" lang="es-ES" sz="3200" spc="-1" strike="noStrike">
               <a:latin typeface="Arial"/>
             </a:endParaRPr>
           </a:p>
@@ -349,19 +315,7 @@
             <a:normAutofit/>
           </a:bodyPr>
           <a:p>
-            <a:pPr>
-              <a:lnSpc>
-                <a:spcPct val="90000"/>
-              </a:lnSpc>
-              <a:spcBef>
-                <a:spcPts val="1417"/>
-              </a:spcBef>
-              <a:buNone/>
-            </a:pPr>
-            <a:endParaRPr b="0" lang="es-ES" sz="2800" spc="-1" strike="noStrike">
-              <a:solidFill>
-                <a:srgbClr val="000000"/>
-              </a:solidFill>
+            <a:endParaRPr b="0" lang="es-ES" sz="3200" spc="-1" strike="noStrike">
               <a:latin typeface="Arial"/>
             </a:endParaRPr>
           </a:p>
@@ -395,19 +349,7 @@
             <a:normAutofit/>
           </a:bodyPr>
           <a:p>
-            <a:pPr>
-              <a:lnSpc>
-                <a:spcPct val="90000"/>
-              </a:lnSpc>
-              <a:spcBef>
-                <a:spcPts val="1417"/>
-              </a:spcBef>
-              <a:buNone/>
-            </a:pPr>
-            <a:endParaRPr b="0" lang="es-ES" sz="2800" spc="-1" strike="noStrike">
-              <a:solidFill>
-                <a:srgbClr val="000000"/>
-              </a:solidFill>
+            <a:endParaRPr b="0" lang="es-ES" sz="3200" spc="-1" strike="noStrike">
               <a:latin typeface="Arial"/>
             </a:endParaRPr>
           </a:p>
@@ -441,19 +383,7 @@
             <a:normAutofit/>
           </a:bodyPr>
           <a:p>
-            <a:pPr>
-              <a:lnSpc>
-                <a:spcPct val="90000"/>
-              </a:lnSpc>
-              <a:spcBef>
-                <a:spcPts val="1417"/>
-              </a:spcBef>
-              <a:buNone/>
-            </a:pPr>
-            <a:endParaRPr b="0" lang="es-ES" sz="2800" spc="-1" strike="noStrike">
-              <a:solidFill>
-                <a:srgbClr val="000000"/>
-              </a:solidFill>
+            <a:endParaRPr b="0" lang="es-ES" sz="3200" spc="-1" strike="noStrike">
               <a:latin typeface="Arial"/>
             </a:endParaRPr>
           </a:p>
@@ -509,10 +439,10 @@
             <a:noAutofit/>
           </a:bodyPr>
           <a:p>
-            <a:endParaRPr b="0" lang="es-ES" sz="1800" spc="-1" strike="noStrike">
-              <a:solidFill>
-                <a:srgbClr val="000000"/>
-              </a:solidFill>
+            <a:pPr algn="ctr">
+              <a:buNone/>
+            </a:pPr>
+            <a:endParaRPr b="0" lang="es-ES" sz="4400" spc="-1" strike="noStrike">
               <a:latin typeface="Arial"/>
             </a:endParaRPr>
           </a:p>
@@ -546,19 +476,7 @@
             <a:normAutofit/>
           </a:bodyPr>
           <a:p>
-            <a:pPr>
-              <a:lnSpc>
-                <a:spcPct val="90000"/>
-              </a:lnSpc>
-              <a:spcBef>
-                <a:spcPts val="1417"/>
-              </a:spcBef>
-              <a:buNone/>
-            </a:pPr>
-            <a:endParaRPr b="0" lang="es-ES" sz="2800" spc="-1" strike="noStrike">
-              <a:solidFill>
-                <a:srgbClr val="000000"/>
-              </a:solidFill>
+            <a:endParaRPr b="0" lang="es-ES" sz="3200" spc="-1" strike="noStrike">
               <a:latin typeface="Arial"/>
             </a:endParaRPr>
           </a:p>
@@ -592,19 +510,7 @@
             <a:normAutofit/>
           </a:bodyPr>
           <a:p>
-            <a:pPr>
-              <a:lnSpc>
-                <a:spcPct val="90000"/>
-              </a:lnSpc>
-              <a:spcBef>
-                <a:spcPts val="1417"/>
-              </a:spcBef>
-              <a:buNone/>
-            </a:pPr>
-            <a:endParaRPr b="0" lang="es-ES" sz="2800" spc="-1" strike="noStrike">
-              <a:solidFill>
-                <a:srgbClr val="000000"/>
-              </a:solidFill>
+            <a:endParaRPr b="0" lang="es-ES" sz="3200" spc="-1" strike="noStrike">
               <a:latin typeface="Arial"/>
             </a:endParaRPr>
           </a:p>
@@ -638,19 +544,7 @@
             <a:normAutofit/>
           </a:bodyPr>
           <a:p>
-            <a:pPr>
-              <a:lnSpc>
-                <a:spcPct val="90000"/>
-              </a:lnSpc>
-              <a:spcBef>
-                <a:spcPts val="1417"/>
-              </a:spcBef>
-              <a:buNone/>
-            </a:pPr>
-            <a:endParaRPr b="0" lang="es-ES" sz="2800" spc="-1" strike="noStrike">
-              <a:solidFill>
-                <a:srgbClr val="000000"/>
-              </a:solidFill>
+            <a:endParaRPr b="0" lang="es-ES" sz="3200" spc="-1" strike="noStrike">
               <a:latin typeface="Arial"/>
             </a:endParaRPr>
           </a:p>
@@ -684,19 +578,7 @@
             <a:normAutofit/>
           </a:bodyPr>
           <a:p>
-            <a:pPr>
-              <a:lnSpc>
-                <a:spcPct val="90000"/>
-              </a:lnSpc>
-              <a:spcBef>
-                <a:spcPts val="1417"/>
-              </a:spcBef>
-              <a:buNone/>
-            </a:pPr>
-            <a:endParaRPr b="0" lang="es-ES" sz="2800" spc="-1" strike="noStrike">
-              <a:solidFill>
-                <a:srgbClr val="000000"/>
-              </a:solidFill>
+            <a:endParaRPr b="0" lang="es-ES" sz="3200" spc="-1" strike="noStrike">
               <a:latin typeface="Arial"/>
             </a:endParaRPr>
           </a:p>
@@ -730,19 +612,7 @@
             <a:normAutofit/>
           </a:bodyPr>
           <a:p>
-            <a:pPr>
-              <a:lnSpc>
-                <a:spcPct val="90000"/>
-              </a:lnSpc>
-              <a:spcBef>
-                <a:spcPts val="1417"/>
-              </a:spcBef>
-              <a:buNone/>
-            </a:pPr>
-            <a:endParaRPr b="0" lang="es-ES" sz="2800" spc="-1" strike="noStrike">
-              <a:solidFill>
-                <a:srgbClr val="000000"/>
-              </a:solidFill>
+            <a:endParaRPr b="0" lang="es-ES" sz="3200" spc="-1" strike="noStrike">
               <a:latin typeface="Arial"/>
             </a:endParaRPr>
           </a:p>
@@ -776,19 +646,7 @@
             <a:normAutofit/>
           </a:bodyPr>
           <a:p>
-            <a:pPr>
-              <a:lnSpc>
-                <a:spcPct val="90000"/>
-              </a:lnSpc>
-              <a:spcBef>
-                <a:spcPts val="1417"/>
-              </a:spcBef>
-              <a:buNone/>
-            </a:pPr>
-            <a:endParaRPr b="0" lang="es-ES" sz="2800" spc="-1" strike="noStrike">
-              <a:solidFill>
-                <a:srgbClr val="000000"/>
-              </a:solidFill>
+            <a:endParaRPr b="0" lang="es-ES" sz="3200" spc="-1" strike="noStrike">
               <a:latin typeface="Arial"/>
             </a:endParaRPr>
           </a:p>
@@ -844,10 +702,10 @@
             <a:noAutofit/>
           </a:bodyPr>
           <a:p>
-            <a:endParaRPr b="0" lang="es-ES" sz="1800" spc="-1" strike="noStrike">
-              <a:solidFill>
-                <a:srgbClr val="000000"/>
-              </a:solidFill>
+            <a:pPr algn="ctr">
+              <a:buNone/>
+            </a:pPr>
+            <a:endParaRPr b="0" lang="es-ES" sz="4400" spc="-1" strike="noStrike">
               <a:latin typeface="Arial"/>
             </a:endParaRPr>
           </a:p>
@@ -940,10 +798,10 @@
             <a:noAutofit/>
           </a:bodyPr>
           <a:p>
-            <a:endParaRPr b="0" lang="es-ES" sz="1800" spc="-1" strike="noStrike">
-              <a:solidFill>
-                <a:srgbClr val="000000"/>
-              </a:solidFill>
+            <a:pPr algn="ctr">
+              <a:buNone/>
+            </a:pPr>
+            <a:endParaRPr b="0" lang="es-ES" sz="4400" spc="-1" strike="noStrike">
               <a:latin typeface="Arial"/>
             </a:endParaRPr>
           </a:p>
@@ -977,19 +835,7 @@
             <a:normAutofit/>
           </a:bodyPr>
           <a:p>
-            <a:pPr>
-              <a:lnSpc>
-                <a:spcPct val="90000"/>
-              </a:lnSpc>
-              <a:spcBef>
-                <a:spcPts val="1417"/>
-              </a:spcBef>
-              <a:buNone/>
-            </a:pPr>
-            <a:endParaRPr b="0" lang="es-ES" sz="2800" spc="-1" strike="noStrike">
-              <a:solidFill>
-                <a:srgbClr val="000000"/>
-              </a:solidFill>
+            <a:endParaRPr b="0" lang="es-ES" sz="3200" spc="-1" strike="noStrike">
               <a:latin typeface="Arial"/>
             </a:endParaRPr>
           </a:p>
@@ -1045,10 +891,10 @@
             <a:noAutofit/>
           </a:bodyPr>
           <a:p>
-            <a:endParaRPr b="0" lang="es-ES" sz="1800" spc="-1" strike="noStrike">
-              <a:solidFill>
-                <a:srgbClr val="000000"/>
-              </a:solidFill>
+            <a:pPr algn="ctr">
+              <a:buNone/>
+            </a:pPr>
+            <a:endParaRPr b="0" lang="es-ES" sz="4400" spc="-1" strike="noStrike">
               <a:latin typeface="Arial"/>
             </a:endParaRPr>
           </a:p>
@@ -1082,19 +928,7 @@
             <a:normAutofit/>
           </a:bodyPr>
           <a:p>
-            <a:pPr>
-              <a:lnSpc>
-                <a:spcPct val="90000"/>
-              </a:lnSpc>
-              <a:spcBef>
-                <a:spcPts val="1417"/>
-              </a:spcBef>
-              <a:buNone/>
-            </a:pPr>
-            <a:endParaRPr b="0" lang="es-ES" sz="2800" spc="-1" strike="noStrike">
-              <a:solidFill>
-                <a:srgbClr val="000000"/>
-              </a:solidFill>
+            <a:endParaRPr b="0" lang="es-ES" sz="3200" spc="-1" strike="noStrike">
               <a:latin typeface="Arial"/>
             </a:endParaRPr>
           </a:p>
@@ -1128,19 +962,7 @@
             <a:normAutofit/>
           </a:bodyPr>
           <a:p>
-            <a:pPr>
-              <a:lnSpc>
-                <a:spcPct val="90000"/>
-              </a:lnSpc>
-              <a:spcBef>
-                <a:spcPts val="1417"/>
-              </a:spcBef>
-              <a:buNone/>
-            </a:pPr>
-            <a:endParaRPr b="0" lang="es-ES" sz="2800" spc="-1" strike="noStrike">
-              <a:solidFill>
-                <a:srgbClr val="000000"/>
-              </a:solidFill>
+            <a:endParaRPr b="0" lang="es-ES" sz="3200" spc="-1" strike="noStrike">
               <a:latin typeface="Arial"/>
             </a:endParaRPr>
           </a:p>
@@ -1196,10 +1018,10 @@
             <a:noAutofit/>
           </a:bodyPr>
           <a:p>
-            <a:endParaRPr b="0" lang="es-ES" sz="1800" spc="-1" strike="noStrike">
-              <a:solidFill>
-                <a:srgbClr val="000000"/>
-              </a:solidFill>
+            <a:pPr algn="ctr">
+              <a:buNone/>
+            </a:pPr>
+            <a:endParaRPr b="0" lang="es-ES" sz="4400" spc="-1" strike="noStrike">
               <a:latin typeface="Arial"/>
             </a:endParaRPr>
           </a:p>
@@ -1314,10 +1136,10 @@
             <a:noAutofit/>
           </a:bodyPr>
           <a:p>
-            <a:endParaRPr b="0" lang="es-ES" sz="1800" spc="-1" strike="noStrike">
-              <a:solidFill>
-                <a:srgbClr val="000000"/>
-              </a:solidFill>
+            <a:pPr algn="ctr">
+              <a:buNone/>
+            </a:pPr>
+            <a:endParaRPr b="0" lang="es-ES" sz="4400" spc="-1" strike="noStrike">
               <a:latin typeface="Arial"/>
             </a:endParaRPr>
           </a:p>
@@ -1351,19 +1173,7 @@
             <a:normAutofit/>
           </a:bodyPr>
           <a:p>
-            <a:pPr>
-              <a:lnSpc>
-                <a:spcPct val="90000"/>
-              </a:lnSpc>
-              <a:spcBef>
-                <a:spcPts val="1417"/>
-              </a:spcBef>
-              <a:buNone/>
-            </a:pPr>
-            <a:endParaRPr b="0" lang="es-ES" sz="2800" spc="-1" strike="noStrike">
-              <a:solidFill>
-                <a:srgbClr val="000000"/>
-              </a:solidFill>
+            <a:endParaRPr b="0" lang="es-ES" sz="3200" spc="-1" strike="noStrike">
               <a:latin typeface="Arial"/>
             </a:endParaRPr>
           </a:p>
@@ -1397,19 +1207,7 @@
             <a:normAutofit/>
           </a:bodyPr>
           <a:p>
-            <a:pPr>
-              <a:lnSpc>
-                <a:spcPct val="90000"/>
-              </a:lnSpc>
-              <a:spcBef>
-                <a:spcPts val="1417"/>
-              </a:spcBef>
-              <a:buNone/>
-            </a:pPr>
-            <a:endParaRPr b="0" lang="es-ES" sz="2800" spc="-1" strike="noStrike">
-              <a:solidFill>
-                <a:srgbClr val="000000"/>
-              </a:solidFill>
+            <a:endParaRPr b="0" lang="es-ES" sz="3200" spc="-1" strike="noStrike">
               <a:latin typeface="Arial"/>
             </a:endParaRPr>
           </a:p>
@@ -1443,19 +1241,7 @@
             <a:normAutofit/>
           </a:bodyPr>
           <a:p>
-            <a:pPr>
-              <a:lnSpc>
-                <a:spcPct val="90000"/>
-              </a:lnSpc>
-              <a:spcBef>
-                <a:spcPts val="1417"/>
-              </a:spcBef>
-              <a:buNone/>
-            </a:pPr>
-            <a:endParaRPr b="0" lang="es-ES" sz="2800" spc="-1" strike="noStrike">
-              <a:solidFill>
-                <a:srgbClr val="000000"/>
-              </a:solidFill>
+            <a:endParaRPr b="0" lang="es-ES" sz="3200" spc="-1" strike="noStrike">
               <a:latin typeface="Arial"/>
             </a:endParaRPr>
           </a:p>
@@ -1511,10 +1297,10 @@
             <a:noAutofit/>
           </a:bodyPr>
           <a:p>
-            <a:endParaRPr b="0" lang="es-ES" sz="1800" spc="-1" strike="noStrike">
-              <a:solidFill>
-                <a:srgbClr val="000000"/>
-              </a:solidFill>
+            <a:pPr algn="ctr">
+              <a:buNone/>
+            </a:pPr>
+            <a:endParaRPr b="0" lang="es-ES" sz="4400" spc="-1" strike="noStrike">
               <a:latin typeface="Arial"/>
             </a:endParaRPr>
           </a:p>
@@ -1548,19 +1334,7 @@
             <a:normAutofit/>
           </a:bodyPr>
           <a:p>
-            <a:pPr>
-              <a:lnSpc>
-                <a:spcPct val="90000"/>
-              </a:lnSpc>
-              <a:spcBef>
-                <a:spcPts val="1417"/>
-              </a:spcBef>
-              <a:buNone/>
-            </a:pPr>
-            <a:endParaRPr b="0" lang="es-ES" sz="2800" spc="-1" strike="noStrike">
-              <a:solidFill>
-                <a:srgbClr val="000000"/>
-              </a:solidFill>
+            <a:endParaRPr b="0" lang="es-ES" sz="3200" spc="-1" strike="noStrike">
               <a:latin typeface="Arial"/>
             </a:endParaRPr>
           </a:p>
@@ -1594,19 +1368,7 @@
             <a:normAutofit/>
           </a:bodyPr>
           <a:p>
-            <a:pPr>
-              <a:lnSpc>
-                <a:spcPct val="90000"/>
-              </a:lnSpc>
-              <a:spcBef>
-                <a:spcPts val="1417"/>
-              </a:spcBef>
-              <a:buNone/>
-            </a:pPr>
-            <a:endParaRPr b="0" lang="es-ES" sz="2800" spc="-1" strike="noStrike">
-              <a:solidFill>
-                <a:srgbClr val="000000"/>
-              </a:solidFill>
+            <a:endParaRPr b="0" lang="es-ES" sz="3200" spc="-1" strike="noStrike">
               <a:latin typeface="Arial"/>
             </a:endParaRPr>
           </a:p>
@@ -1640,19 +1402,7 @@
             <a:normAutofit/>
           </a:bodyPr>
           <a:p>
-            <a:pPr>
-              <a:lnSpc>
-                <a:spcPct val="90000"/>
-              </a:lnSpc>
-              <a:spcBef>
-                <a:spcPts val="1417"/>
-              </a:spcBef>
-              <a:buNone/>
-            </a:pPr>
-            <a:endParaRPr b="0" lang="es-ES" sz="2800" spc="-1" strike="noStrike">
-              <a:solidFill>
-                <a:srgbClr val="000000"/>
-              </a:solidFill>
+            <a:endParaRPr b="0" lang="es-ES" sz="3200" spc="-1" strike="noStrike">
               <a:latin typeface="Arial"/>
             </a:endParaRPr>
           </a:p>
@@ -1708,10 +1458,10 @@
             <a:noAutofit/>
           </a:bodyPr>
           <a:p>
-            <a:endParaRPr b="0" lang="es-ES" sz="1800" spc="-1" strike="noStrike">
-              <a:solidFill>
-                <a:srgbClr val="000000"/>
-              </a:solidFill>
+            <a:pPr algn="ctr">
+              <a:buNone/>
+            </a:pPr>
+            <a:endParaRPr b="0" lang="es-ES" sz="4400" spc="-1" strike="noStrike">
               <a:latin typeface="Arial"/>
             </a:endParaRPr>
           </a:p>
@@ -1745,19 +1495,7 @@
             <a:normAutofit/>
           </a:bodyPr>
           <a:p>
-            <a:pPr>
-              <a:lnSpc>
-                <a:spcPct val="90000"/>
-              </a:lnSpc>
-              <a:spcBef>
-                <a:spcPts val="1417"/>
-              </a:spcBef>
-              <a:buNone/>
-            </a:pPr>
-            <a:endParaRPr b="0" lang="es-ES" sz="2800" spc="-1" strike="noStrike">
-              <a:solidFill>
-                <a:srgbClr val="000000"/>
-              </a:solidFill>
+            <a:endParaRPr b="0" lang="es-ES" sz="3200" spc="-1" strike="noStrike">
               <a:latin typeface="Arial"/>
             </a:endParaRPr>
           </a:p>
@@ -1791,19 +1529,7 @@
             <a:normAutofit/>
           </a:bodyPr>
           <a:p>
-            <a:pPr>
-              <a:lnSpc>
-                <a:spcPct val="90000"/>
-              </a:lnSpc>
-              <a:spcBef>
-                <a:spcPts val="1417"/>
-              </a:spcBef>
-              <a:buNone/>
-            </a:pPr>
-            <a:endParaRPr b="0" lang="es-ES" sz="2800" spc="-1" strike="noStrike">
-              <a:solidFill>
-                <a:srgbClr val="000000"/>
-              </a:solidFill>
+            <a:endParaRPr b="0" lang="es-ES" sz="3200" spc="-1" strike="noStrike">
               <a:latin typeface="Arial"/>
             </a:endParaRPr>
           </a:p>
@@ -1837,19 +1563,7 @@
             <a:normAutofit/>
           </a:bodyPr>
           <a:p>
-            <a:pPr>
-              <a:lnSpc>
-                <a:spcPct val="90000"/>
-              </a:lnSpc>
-              <a:spcBef>
-                <a:spcPts val="1417"/>
-              </a:spcBef>
-              <a:buNone/>
-            </a:pPr>
-            <a:endParaRPr b="0" lang="es-ES" sz="2800" spc="-1" strike="noStrike">
-              <a:solidFill>
-                <a:srgbClr val="000000"/>
-              </a:solidFill>
+            <a:endParaRPr b="0" lang="es-ES" sz="3200" spc="-1" strike="noStrike">
               <a:latin typeface="Arial"/>
             </a:endParaRPr>
           </a:p>
@@ -1912,19 +1626,16 @@
             <a:noAutofit/>
           </a:bodyPr>
           <a:p>
+            <a:pPr algn="ctr">
+              <a:buNone/>
+            </a:pPr>
             <a:r>
-              <a:rPr b="0" lang="es-ES" sz="1800" spc="-1" strike="noStrike">
-                <a:solidFill>
-                  <a:srgbClr val="000000"/>
-                </a:solidFill>
+              <a:rPr b="0" lang="es-ES" sz="4400" spc="-1" strike="noStrike">
                 <a:latin typeface="Arial"/>
               </a:rPr>
               <a:t>Pulse para editar el formato del texto de título</a:t>
             </a:r>
-            <a:endParaRPr b="0" lang="es-ES" sz="1800" spc="-1" strike="noStrike">
-              <a:solidFill>
-                <a:srgbClr val="000000"/>
-              </a:solidFill>
+            <a:endParaRPr b="0" lang="es-ES" sz="4400" spc="-1" strike="noStrike">
               <a:latin typeface="Arial"/>
             </a:endParaRPr>
           </a:p>
@@ -1959,9 +1670,6 @@
           </a:bodyPr>
           <a:p>
             <a:pPr marL="432000" indent="-324000">
-              <a:lnSpc>
-                <a:spcPct val="90000"/>
-              </a:lnSpc>
               <a:spcBef>
                 <a:spcPts val="1417"/>
               </a:spcBef>
@@ -1973,26 +1681,17 @@
               <a:buChar char=""/>
             </a:pPr>
             <a:r>
-              <a:rPr b="0" lang="es-ES" sz="2800" spc="-1" strike="noStrike">
-                <a:solidFill>
-                  <a:srgbClr val="000000"/>
-                </a:solidFill>
+              <a:rPr b="0" lang="es-ES" sz="3200" spc="-1" strike="noStrike">
                 <a:latin typeface="Arial"/>
               </a:rPr>
               <a:t>Pulse para editar el formato de texto del esquema</a:t>
             </a:r>
-            <a:endParaRPr b="0" lang="es-ES" sz="2800" spc="-1" strike="noStrike">
-              <a:solidFill>
-                <a:srgbClr val="000000"/>
-              </a:solidFill>
+            <a:endParaRPr b="0" lang="es-ES" sz="3200" spc="-1" strike="noStrike">
               <a:latin typeface="Arial"/>
             </a:endParaRPr>
           </a:p>
           <a:p>
             <a:pPr lvl="1" marL="864000" indent="-324000">
-              <a:lnSpc>
-                <a:spcPct val="90000"/>
-              </a:lnSpc>
               <a:spcBef>
                 <a:spcPts val="1134"/>
               </a:spcBef>
@@ -2004,26 +1703,17 @@
               <a:buChar char=""/>
             </a:pPr>
             <a:r>
-              <a:rPr b="0" lang="es-ES" sz="2000" spc="-1" strike="noStrike">
-                <a:solidFill>
-                  <a:srgbClr val="000000"/>
-                </a:solidFill>
+              <a:rPr b="0" lang="es-ES" sz="2800" spc="-1" strike="noStrike">
                 <a:latin typeface="Arial"/>
               </a:rPr>
               <a:t>Segundo nivel del esquema</a:t>
             </a:r>
-            <a:endParaRPr b="0" lang="es-ES" sz="2000" spc="-1" strike="noStrike">
-              <a:solidFill>
-                <a:srgbClr val="000000"/>
-              </a:solidFill>
+            <a:endParaRPr b="0" lang="es-ES" sz="2800" spc="-1" strike="noStrike">
               <a:latin typeface="Arial"/>
             </a:endParaRPr>
           </a:p>
           <a:p>
             <a:pPr lvl="2" marL="1296000" indent="-288000">
-              <a:lnSpc>
-                <a:spcPct val="90000"/>
-              </a:lnSpc>
               <a:spcBef>
                 <a:spcPts val="850"/>
               </a:spcBef>
@@ -2035,26 +1725,17 @@
               <a:buChar char=""/>
             </a:pPr>
             <a:r>
-              <a:rPr b="0" lang="es-ES" sz="1800" spc="-1" strike="noStrike">
-                <a:solidFill>
-                  <a:srgbClr val="000000"/>
-                </a:solidFill>
+              <a:rPr b="0" lang="es-ES" sz="2400" spc="-1" strike="noStrike">
                 <a:latin typeface="Arial"/>
               </a:rPr>
               <a:t>Tercer nivel del esquema</a:t>
             </a:r>
-            <a:endParaRPr b="0" lang="es-ES" sz="1800" spc="-1" strike="noStrike">
-              <a:solidFill>
-                <a:srgbClr val="000000"/>
-              </a:solidFill>
+            <a:endParaRPr b="0" lang="es-ES" sz="2400" spc="-1" strike="noStrike">
               <a:latin typeface="Arial"/>
             </a:endParaRPr>
           </a:p>
           <a:p>
             <a:pPr lvl="3" marL="1728000" indent="-216000">
-              <a:lnSpc>
-                <a:spcPct val="90000"/>
-              </a:lnSpc>
               <a:spcBef>
                 <a:spcPts val="567"/>
               </a:spcBef>
@@ -2066,26 +1747,17 @@
               <a:buChar char=""/>
             </a:pPr>
             <a:r>
-              <a:rPr b="0" lang="es-ES" sz="1800" spc="-1" strike="noStrike">
-                <a:solidFill>
-                  <a:srgbClr val="000000"/>
-                </a:solidFill>
+              <a:rPr b="0" lang="es-ES" sz="2000" spc="-1" strike="noStrike">
                 <a:latin typeface="Arial"/>
               </a:rPr>
               <a:t>Cuarto nivel del esquema</a:t>
             </a:r>
-            <a:endParaRPr b="0" lang="es-ES" sz="1800" spc="-1" strike="noStrike">
-              <a:solidFill>
-                <a:srgbClr val="000000"/>
-              </a:solidFill>
+            <a:endParaRPr b="0" lang="es-ES" sz="2000" spc="-1" strike="noStrike">
               <a:latin typeface="Arial"/>
             </a:endParaRPr>
           </a:p>
           <a:p>
             <a:pPr lvl="4" marL="2160000" indent="-216000">
-              <a:lnSpc>
-                <a:spcPct val="90000"/>
-              </a:lnSpc>
               <a:spcBef>
                 <a:spcPts val="283"/>
               </a:spcBef>
@@ -2098,25 +1770,16 @@
             </a:pPr>
             <a:r>
               <a:rPr b="0" lang="es-ES" sz="2000" spc="-1" strike="noStrike">
-                <a:solidFill>
-                  <a:srgbClr val="000000"/>
-                </a:solidFill>
                 <a:latin typeface="Arial"/>
               </a:rPr>
               <a:t>Quinto nivel del esquema</a:t>
             </a:r>
             <a:endParaRPr b="0" lang="es-ES" sz="2000" spc="-1" strike="noStrike">
-              <a:solidFill>
-                <a:srgbClr val="000000"/>
-              </a:solidFill>
               <a:latin typeface="Arial"/>
             </a:endParaRPr>
           </a:p>
           <a:p>
             <a:pPr lvl="5" marL="2592000" indent="-216000">
-              <a:lnSpc>
-                <a:spcPct val="90000"/>
-              </a:lnSpc>
               <a:spcBef>
                 <a:spcPts val="283"/>
               </a:spcBef>
@@ -2129,25 +1792,16 @@
             </a:pPr>
             <a:r>
               <a:rPr b="0" lang="es-ES" sz="2000" spc="-1" strike="noStrike">
-                <a:solidFill>
-                  <a:srgbClr val="000000"/>
-                </a:solidFill>
                 <a:latin typeface="Arial"/>
               </a:rPr>
               <a:t>Sexto nivel del esquema</a:t>
             </a:r>
             <a:endParaRPr b="0" lang="es-ES" sz="2000" spc="-1" strike="noStrike">
-              <a:solidFill>
-                <a:srgbClr val="000000"/>
-              </a:solidFill>
               <a:latin typeface="Arial"/>
             </a:endParaRPr>
           </a:p>
           <a:p>
             <a:pPr lvl="6" marL="3024000" indent="-216000">
-              <a:lnSpc>
-                <a:spcPct val="90000"/>
-              </a:lnSpc>
               <a:spcBef>
                 <a:spcPts val="283"/>
               </a:spcBef>
@@ -2160,17 +1814,11 @@
             </a:pPr>
             <a:r>
               <a:rPr b="0" lang="es-ES" sz="2000" spc="-1" strike="noStrike">
-                <a:solidFill>
-                  <a:srgbClr val="000000"/>
-                </a:solidFill>
                 <a:latin typeface="Arial"/>
               </a:rPr>
               <a:t>Séptimo nivel del esquema</a:t>
             </a:r>
             <a:endParaRPr b="0" lang="es-ES" sz="2000" spc="-1" strike="noStrike">
-              <a:solidFill>
-                <a:srgbClr val="000000"/>
-              </a:solidFill>
               <a:latin typeface="Arial"/>
             </a:endParaRPr>
           </a:p>
@@ -2226,7 +1874,7 @@
         <p:spPr>
           <a:xfrm>
             <a:off x="230040" y="457200"/>
-            <a:ext cx="11730960" cy="630360"/>
+            <a:ext cx="11730600" cy="630000"/>
           </a:xfrm>
           <a:prstGeom prst="rect">
             <a:avLst/>
@@ -2261,9 +1909,6 @@
               <a:t>Predicting ufc fighter winner</a:t>
             </a:r>
             <a:endParaRPr b="0" lang="es-ES" sz="3600" spc="-1" strike="noStrike">
-              <a:solidFill>
-                <a:srgbClr val="000000"/>
-              </a:solidFill>
               <a:latin typeface="Arial"/>
             </a:endParaRPr>
           </a:p>
@@ -2282,7 +1927,7 @@
         <p:spPr>
           <a:xfrm>
             <a:off x="2047320" y="1800000"/>
-            <a:ext cx="8096760" cy="3848760"/>
+            <a:ext cx="8096400" cy="3848400"/>
           </a:xfrm>
           <a:prstGeom prst="rect">
             <a:avLst/>
@@ -2335,7 +1980,7 @@
         <p:spPr>
           <a:xfrm>
             <a:off x="160200" y="363240"/>
-            <a:ext cx="11730960" cy="630360"/>
+            <a:ext cx="11730600" cy="630000"/>
           </a:xfrm>
           <a:prstGeom prst="rect">
             <a:avLst/>
@@ -2370,9 +2015,6 @@
               <a:t>The winner</a:t>
             </a:r>
             <a:endParaRPr b="0" lang="es-ES" sz="3600" spc="-1" strike="noStrike">
-              <a:solidFill>
-                <a:srgbClr val="000000"/>
-              </a:solidFill>
               <a:latin typeface="Arial"/>
             </a:endParaRPr>
           </a:p>
@@ -2391,7 +2033,7 @@
         <p:spPr>
           <a:xfrm>
             <a:off x="6829920" y="2324880"/>
-            <a:ext cx="3702600" cy="2789280"/>
+            <a:ext cx="3702240" cy="2788920"/>
           </a:xfrm>
           <a:prstGeom prst="rect">
             <a:avLst/>
@@ -2414,7 +2056,7 @@
         <p:spPr>
           <a:xfrm>
             <a:off x="1659240" y="2324880"/>
-            <a:ext cx="3753000" cy="2789280"/>
+            <a:ext cx="3752640" cy="2788920"/>
           </a:xfrm>
           <a:prstGeom prst="rect">
             <a:avLst/>
@@ -2467,7 +2109,7 @@
         <p:spPr>
           <a:xfrm>
             <a:off x="160200" y="363240"/>
-            <a:ext cx="11730960" cy="630360"/>
+            <a:ext cx="11730600" cy="630000"/>
           </a:xfrm>
           <a:prstGeom prst="rect">
             <a:avLst/>
@@ -2502,9 +2144,6 @@
               <a:t>Age distribution</a:t>
             </a:r>
             <a:endParaRPr b="0" lang="es-ES" sz="3600" spc="-1" strike="noStrike">
-              <a:solidFill>
-                <a:srgbClr val="000000"/>
-              </a:solidFill>
               <a:latin typeface="Arial"/>
             </a:endParaRPr>
           </a:p>
@@ -2523,7 +2162,7 @@
         <p:spPr>
           <a:xfrm>
             <a:off x="2206080" y="2179080"/>
-            <a:ext cx="3040560" cy="2827800"/>
+            <a:ext cx="3040200" cy="2827440"/>
           </a:xfrm>
           <a:prstGeom prst="rect">
             <a:avLst/>
@@ -2546,7 +2185,7 @@
         <p:spPr>
           <a:xfrm>
             <a:off x="6373440" y="2179080"/>
-            <a:ext cx="4106880" cy="2907360"/>
+            <a:ext cx="4106520" cy="2907000"/>
           </a:xfrm>
           <a:prstGeom prst="rect">
             <a:avLst/>
@@ -2599,7 +2238,7 @@
         <p:spPr>
           <a:xfrm>
             <a:off x="160200" y="363240"/>
-            <a:ext cx="11730960" cy="630360"/>
+            <a:ext cx="11730600" cy="630000"/>
           </a:xfrm>
           <a:prstGeom prst="rect">
             <a:avLst/>
@@ -2634,9 +2273,6 @@
               <a:t>Gender distribution</a:t>
             </a:r>
             <a:endParaRPr b="0" lang="es-ES" sz="3600" spc="-1" strike="noStrike">
-              <a:solidFill>
-                <a:srgbClr val="000000"/>
-              </a:solidFill>
               <a:latin typeface="Arial"/>
             </a:endParaRPr>
           </a:p>
@@ -2655,7 +2291,7 @@
         <p:spPr>
           <a:xfrm>
             <a:off x="3360240" y="1786320"/>
-            <a:ext cx="5470920" cy="3949920"/>
+            <a:ext cx="5470560" cy="3949560"/>
           </a:xfrm>
           <a:prstGeom prst="rect">
             <a:avLst/>
@@ -2708,7 +2344,7 @@
         <p:spPr>
           <a:xfrm>
             <a:off x="160200" y="363240"/>
-            <a:ext cx="11730960" cy="630360"/>
+            <a:ext cx="11730600" cy="630000"/>
           </a:xfrm>
           <a:prstGeom prst="rect">
             <a:avLst/>
@@ -2743,9 +2379,6 @@
               <a:t>Weight classes</a:t>
             </a:r>
             <a:endParaRPr b="0" lang="es-ES" sz="3600" spc="-1" strike="noStrike">
-              <a:solidFill>
-                <a:srgbClr val="000000"/>
-              </a:solidFill>
               <a:latin typeface="Arial"/>
             </a:endParaRPr>
           </a:p>
@@ -2764,7 +2397,7 @@
         <p:spPr>
           <a:xfrm>
             <a:off x="3565440" y="1563120"/>
-            <a:ext cx="5060880" cy="4881600"/>
+            <a:ext cx="5060520" cy="4881240"/>
           </a:xfrm>
           <a:prstGeom prst="rect">
             <a:avLst/>
@@ -2817,7 +2450,7 @@
         <p:spPr>
           <a:xfrm>
             <a:off x="160200" y="363240"/>
-            <a:ext cx="11730960" cy="630360"/>
+            <a:ext cx="11730600" cy="630000"/>
           </a:xfrm>
           <a:prstGeom prst="rect">
             <a:avLst/>
@@ -2852,9 +2485,6 @@
               <a:t>Fight type</a:t>
             </a:r>
             <a:endParaRPr b="0" lang="es-ES" sz="3600" spc="-1" strike="noStrike">
-              <a:solidFill>
-                <a:srgbClr val="000000"/>
-              </a:solidFill>
               <a:latin typeface="Arial"/>
             </a:endParaRPr>
           </a:p>
@@ -2873,7 +2503,7 @@
         <p:spPr>
           <a:xfrm>
             <a:off x="3465000" y="1984320"/>
-            <a:ext cx="5261760" cy="3577320"/>
+            <a:ext cx="5261400" cy="3576960"/>
           </a:xfrm>
           <a:prstGeom prst="rect">
             <a:avLst/>
@@ -2926,7 +2556,7 @@
         <p:spPr>
           <a:xfrm>
             <a:off x="160200" y="363240"/>
-            <a:ext cx="11730960" cy="630360"/>
+            <a:ext cx="11730600" cy="630000"/>
           </a:xfrm>
           <a:prstGeom prst="rect">
             <a:avLst/>
@@ -2961,9 +2591,6 @@
               <a:t>Fight duration</a:t>
             </a:r>
             <a:endParaRPr b="0" lang="es-ES" sz="3600" spc="-1" strike="noStrike">
-              <a:solidFill>
-                <a:srgbClr val="000000"/>
-              </a:solidFill>
               <a:latin typeface="Arial"/>
             </a:endParaRPr>
           </a:p>
@@ -2982,7 +2609,7 @@
         <p:spPr>
           <a:xfrm>
             <a:off x="3295800" y="1802160"/>
-            <a:ext cx="5459760" cy="3729960"/>
+            <a:ext cx="5459400" cy="3729600"/>
           </a:xfrm>
           <a:prstGeom prst="rect">
             <a:avLst/>
@@ -3035,7 +2662,7 @@
         <p:spPr>
           <a:xfrm>
             <a:off x="160200" y="363240"/>
-            <a:ext cx="11730960" cy="630360"/>
+            <a:ext cx="11730600" cy="630000"/>
           </a:xfrm>
           <a:prstGeom prst="rect">
             <a:avLst/>
@@ -3070,9 +2697,6 @@
               <a:t>Finish type</a:t>
             </a:r>
             <a:endParaRPr b="0" lang="es-ES" sz="3600" spc="-1" strike="noStrike">
-              <a:solidFill>
-                <a:srgbClr val="000000"/>
-              </a:solidFill>
               <a:latin typeface="Arial"/>
             </a:endParaRPr>
           </a:p>
@@ -3091,7 +2715,7 @@
         <p:spPr>
           <a:xfrm>
             <a:off x="3718440" y="1659960"/>
-            <a:ext cx="4754880" cy="4181760"/>
+            <a:ext cx="4754520" cy="4181400"/>
           </a:xfrm>
           <a:prstGeom prst="rect">
             <a:avLst/>
@@ -3144,7 +2768,7 @@
         <p:spPr>
           <a:xfrm>
             <a:off x="160200" y="363240"/>
-            <a:ext cx="11730960" cy="630360"/>
+            <a:ext cx="11730600" cy="630000"/>
           </a:xfrm>
           <a:prstGeom prst="rect">
             <a:avLst/>
@@ -3179,9 +2803,6 @@
               <a:t>Finish type PER TIME</a:t>
             </a:r>
             <a:endParaRPr b="0" lang="es-ES" sz="3600" spc="-1" strike="noStrike">
-              <a:solidFill>
-                <a:srgbClr val="000000"/>
-              </a:solidFill>
               <a:latin typeface="Arial"/>
             </a:endParaRPr>
           </a:p>
@@ -3200,7 +2821,7 @@
         <p:spPr>
           <a:xfrm>
             <a:off x="3365640" y="1905120"/>
-            <a:ext cx="5094360" cy="3854880"/>
+            <a:ext cx="5094000" cy="3854520"/>
           </a:xfrm>
           <a:prstGeom prst="rect">
             <a:avLst/>
@@ -3252,8 +2873,8 @@
         </p:nvSpPr>
         <p:spPr>
           <a:xfrm>
-            <a:off x="148680" y="3060000"/>
-            <a:ext cx="11730960" cy="630360"/>
+            <a:off x="160200" y="363240"/>
+            <a:ext cx="11730600" cy="630000"/>
           </a:xfrm>
           <a:prstGeom prst="rect">
             <a:avLst/>
@@ -3285,17 +2906,60 @@
                 <a:latin typeface="Speak Pro"/>
                 <a:ea typeface="DejaVu Sans"/>
               </a:rPr>
-              <a:t>Which columns were dropped?</a:t>
+              <a:t>Fight frequency per months</a:t>
             </a:r>
             <a:endParaRPr b="0" lang="es-ES" sz="3600" spc="-1" strike="noStrike">
-              <a:solidFill>
-                <a:srgbClr val="000000"/>
-              </a:solidFill>
-              <a:latin typeface="Arial"/>
-            </a:endParaRPr>
-          </a:p>
-        </p:txBody>
-      </p:sp>
+              <a:latin typeface="Arial"/>
+            </a:endParaRPr>
+          </a:p>
+        </p:txBody>
+      </p:sp>
+      <p:pic>
+        <p:nvPicPr>
+          <p:cNvPr id="73" name="" descr=""/>
+          <p:cNvPicPr/>
+          <p:nvPr/>
+        </p:nvPicPr>
+        <p:blipFill>
+          <a:blip r:embed="rId1"/>
+          <a:stretch/>
+        </p:blipFill>
+        <p:spPr>
+          <a:xfrm>
+            <a:off x="360000" y="1800000"/>
+            <a:ext cx="11235240" cy="2520000"/>
+          </a:xfrm>
+          <a:prstGeom prst="rect">
+            <a:avLst/>
+          </a:prstGeom>
+          <a:ln w="0">
+            <a:noFill/>
+          </a:ln>
+        </p:spPr>
+      </p:pic>
+      <p:pic>
+        <p:nvPicPr>
+          <p:cNvPr id="74" name="" descr=""/>
+          <p:cNvPicPr/>
+          <p:nvPr/>
+        </p:nvPicPr>
+        <p:blipFill>
+          <a:blip r:embed="rId2"/>
+          <a:stretch/>
+        </p:blipFill>
+        <p:spPr>
+          <a:xfrm>
+            <a:off x="9188640" y="4500000"/>
+            <a:ext cx="1971360" cy="1942920"/>
+          </a:xfrm>
+          <a:prstGeom prst="rect">
+            <a:avLst/>
+          </a:prstGeom>
+          <a:ln w="0">
+            <a:noFill/>
+          </a:ln>
+        </p:spPr>
+      </p:pic>
     </p:spTree>
   </p:cSld>
   <mc:AlternateContent>
@@ -3328,7 +2992,7 @@
       </p:grpSpPr>
       <p:sp>
         <p:nvSpPr>
-          <p:cNvPr id="73" name="PlaceHolder 1"/>
+          <p:cNvPr id="75" name="PlaceHolder 1"/>
           <p:cNvSpPr>
             <a:spLocks noGrp="1"/>
           </p:cNvSpPr>
@@ -3338,8 +3002,8 @@
         </p:nvSpPr>
         <p:spPr>
           <a:xfrm>
-            <a:off x="230400" y="440640"/>
-            <a:ext cx="11730960" cy="630360"/>
+            <a:off x="148680" y="3060000"/>
+            <a:ext cx="11730600" cy="630000"/>
           </a:xfrm>
           <a:prstGeom prst="rect">
             <a:avLst/>
@@ -3371,40 +3035,14 @@
                 <a:latin typeface="Speak Pro"/>
                 <a:ea typeface="DejaVu Sans"/>
               </a:rPr>
-              <a:t>Constant columns</a:t>
+              <a:t>Which columns were dropped?</a:t>
             </a:r>
             <a:endParaRPr b="0" lang="es-ES" sz="3600" spc="-1" strike="noStrike">
-              <a:solidFill>
-                <a:srgbClr val="000000"/>
-              </a:solidFill>
-              <a:latin typeface="Arial"/>
-            </a:endParaRPr>
-          </a:p>
-        </p:txBody>
-      </p:sp>
-      <p:pic>
-        <p:nvPicPr>
-          <p:cNvPr id="74" name="Imagen 2" descr=""/>
-          <p:cNvPicPr/>
-          <p:nvPr/>
-        </p:nvPicPr>
-        <p:blipFill>
-          <a:blip r:embed="rId1"/>
-          <a:stretch/>
-        </p:blipFill>
-        <p:spPr>
-          <a:xfrm>
-            <a:off x="1117440" y="2160000"/>
-            <a:ext cx="9956520" cy="2735640"/>
-          </a:xfrm>
-          <a:prstGeom prst="rect">
-            <a:avLst/>
-          </a:prstGeom>
-          <a:ln w="0">
-            <a:noFill/>
-          </a:ln>
-        </p:spPr>
-      </p:pic>
+              <a:latin typeface="Arial"/>
+            </a:endParaRPr>
+          </a:p>
+        </p:txBody>
+      </p:sp>
     </p:spTree>
   </p:cSld>
   <mc:AlternateContent>
@@ -3448,7 +3086,7 @@
         <p:spPr>
           <a:xfrm>
             <a:off x="230040" y="457200"/>
-            <a:ext cx="11730960" cy="630360"/>
+            <a:ext cx="11730600" cy="630000"/>
           </a:xfrm>
           <a:prstGeom prst="rect">
             <a:avLst/>
@@ -3483,9 +3121,6 @@
               <a:t>ARQUITECTURE</a:t>
             </a:r>
             <a:endParaRPr b="0" lang="es-ES" sz="3600" spc="-1" strike="noStrike">
-              <a:solidFill>
-                <a:srgbClr val="000000"/>
-              </a:solidFill>
               <a:latin typeface="Arial"/>
             </a:endParaRPr>
           </a:p>
@@ -3504,7 +3139,7 @@
         <p:spPr>
           <a:xfrm>
             <a:off x="2180160" y="1621440"/>
-            <a:ext cx="7831440" cy="4303440"/>
+            <a:ext cx="7831080" cy="4303080"/>
           </a:xfrm>
           <a:prstGeom prst="rect">
             <a:avLst/>
@@ -3546,7 +3181,7 @@
       </p:grpSpPr>
       <p:sp>
         <p:nvSpPr>
-          <p:cNvPr id="75" name="PlaceHolder 1"/>
+          <p:cNvPr id="76" name="PlaceHolder 1"/>
           <p:cNvSpPr>
             <a:spLocks noGrp="1"/>
           </p:cNvSpPr>
@@ -3557,7 +3192,7 @@
         <p:spPr>
           <a:xfrm>
             <a:off x="230400" y="440640"/>
-            <a:ext cx="11730960" cy="732960"/>
+            <a:ext cx="11730600" cy="630000"/>
           </a:xfrm>
           <a:prstGeom prst="rect">
             <a:avLst/>
@@ -3589,12 +3224,9 @@
                 <a:latin typeface="Speak Pro"/>
                 <a:ea typeface="DejaVu Sans"/>
               </a:rPr>
-              <a:t>columns represented by other columns</a:t>
+              <a:t>Constant columns</a:t>
             </a:r>
             <a:endParaRPr b="0" lang="es-ES" sz="3600" spc="-1" strike="noStrike">
-              <a:solidFill>
-                <a:srgbClr val="000000"/>
-              </a:solidFill>
               <a:latin typeface="Arial"/>
             </a:endParaRPr>
           </a:p>
@@ -3602,7 +3234,7 @@
       </p:sp>
       <p:pic>
         <p:nvPicPr>
-          <p:cNvPr id="76" name="Imagen 3" descr=""/>
+          <p:cNvPr id="77" name="Imagen 2" descr=""/>
           <p:cNvPicPr/>
           <p:nvPr/>
         </p:nvPicPr>
@@ -3612,8 +3244,8 @@
         </p:blipFill>
         <p:spPr>
           <a:xfrm>
-            <a:off x="1566000" y="2507400"/>
-            <a:ext cx="9138600" cy="2712600"/>
+            <a:off x="1117440" y="2160000"/>
+            <a:ext cx="9956160" cy="2735280"/>
           </a:xfrm>
           <a:prstGeom prst="rect">
             <a:avLst/>
@@ -3655,7 +3287,7 @@
       </p:grpSpPr>
       <p:sp>
         <p:nvSpPr>
-          <p:cNvPr id="77" name="PlaceHolder 1"/>
+          <p:cNvPr id="78" name="PlaceHolder 1"/>
           <p:cNvSpPr>
             <a:spLocks noGrp="1"/>
           </p:cNvSpPr>
@@ -3666,7 +3298,7 @@
         <p:spPr>
           <a:xfrm>
             <a:off x="230400" y="440640"/>
-            <a:ext cx="11730960" cy="732960"/>
+            <a:ext cx="11730600" cy="732600"/>
           </a:xfrm>
           <a:prstGeom prst="rect">
             <a:avLst/>
@@ -3698,12 +3330,9 @@
                 <a:latin typeface="Speak Pro"/>
                 <a:ea typeface="DejaVu Sans"/>
               </a:rPr>
-              <a:t>Data that can only be known after the fight</a:t>
+              <a:t>columns represented by other columns</a:t>
             </a:r>
             <a:endParaRPr b="0" lang="es-ES" sz="3600" spc="-1" strike="noStrike">
-              <a:solidFill>
-                <a:srgbClr val="000000"/>
-              </a:solidFill>
               <a:latin typeface="Arial"/>
             </a:endParaRPr>
           </a:p>
@@ -3711,7 +3340,7 @@
       </p:sp>
       <p:pic>
         <p:nvPicPr>
-          <p:cNvPr id="78" name="Imagen 2" descr=""/>
+          <p:cNvPr id="79" name="Imagen 3" descr=""/>
           <p:cNvPicPr/>
           <p:nvPr/>
         </p:nvPicPr>
@@ -3721,8 +3350,8 @@
         </p:blipFill>
         <p:spPr>
           <a:xfrm>
-            <a:off x="1640880" y="2416320"/>
-            <a:ext cx="8909640" cy="2803680"/>
+            <a:off x="1566000" y="2507400"/>
+            <a:ext cx="9138240" cy="2712240"/>
           </a:xfrm>
           <a:prstGeom prst="rect">
             <a:avLst/>
@@ -3764,7 +3393,7 @@
       </p:grpSpPr>
       <p:sp>
         <p:nvSpPr>
-          <p:cNvPr id="79" name="PlaceHolder 1"/>
+          <p:cNvPr id="80" name="PlaceHolder 1"/>
           <p:cNvSpPr>
             <a:spLocks noGrp="1"/>
           </p:cNvSpPr>
@@ -3775,7 +3404,7 @@
         <p:spPr>
           <a:xfrm>
             <a:off x="230400" y="440640"/>
-            <a:ext cx="11730960" cy="732960"/>
+            <a:ext cx="11730600" cy="732600"/>
           </a:xfrm>
           <a:prstGeom prst="rect">
             <a:avLst/>
@@ -3807,12 +3436,9 @@
                 <a:latin typeface="Speak Pro"/>
                 <a:ea typeface="DejaVu Sans"/>
               </a:rPr>
-              <a:t>Hard-to-code categorical data</a:t>
+              <a:t>Underrepresented data</a:t>
             </a:r>
             <a:endParaRPr b="0" lang="es-ES" sz="3600" spc="-1" strike="noStrike">
-              <a:solidFill>
-                <a:srgbClr val="000000"/>
-              </a:solidFill>
               <a:latin typeface="Arial"/>
             </a:endParaRPr>
           </a:p>
@@ -3820,7 +3446,7 @@
       </p:sp>
       <p:pic>
         <p:nvPicPr>
-          <p:cNvPr id="80" name="Imagen 3" descr=""/>
+          <p:cNvPr id="81" name="" descr=""/>
           <p:cNvPicPr/>
           <p:nvPr/>
         </p:nvPicPr>
@@ -3830,8 +3456,8 @@
         </p:blipFill>
         <p:spPr>
           <a:xfrm>
-            <a:off x="2814840" y="1878120"/>
-            <a:ext cx="6577560" cy="3634920"/>
+            <a:off x="1620000" y="2880000"/>
+            <a:ext cx="8831880" cy="1395720"/>
           </a:xfrm>
           <a:prstGeom prst="rect">
             <a:avLst/>
@@ -3873,7 +3499,7 @@
       </p:grpSpPr>
       <p:sp>
         <p:nvSpPr>
-          <p:cNvPr id="81" name="PlaceHolder 1"/>
+          <p:cNvPr id="82" name="PlaceHolder 1"/>
           <p:cNvSpPr>
             <a:spLocks noGrp="1"/>
           </p:cNvSpPr>
@@ -3884,7 +3510,7 @@
         <p:spPr>
           <a:xfrm>
             <a:off x="230400" y="440640"/>
-            <a:ext cx="11730960" cy="732960"/>
+            <a:ext cx="11730600" cy="732600"/>
           </a:xfrm>
           <a:prstGeom prst="rect">
             <a:avLst/>
@@ -3916,12 +3542,9 @@
                 <a:latin typeface="Speak Pro"/>
                 <a:ea typeface="DejaVu Sans"/>
               </a:rPr>
-              <a:t>Draw data</a:t>
+              <a:t>Data that can only be known after the fight</a:t>
             </a:r>
             <a:endParaRPr b="0" lang="es-ES" sz="3600" spc="-1" strike="noStrike">
-              <a:solidFill>
-                <a:srgbClr val="000000"/>
-              </a:solidFill>
               <a:latin typeface="Arial"/>
             </a:endParaRPr>
           </a:p>
@@ -3929,7 +3552,7 @@
       </p:sp>
       <p:pic>
         <p:nvPicPr>
-          <p:cNvPr id="82" name="Imagen 2" descr=""/>
+          <p:cNvPr id="83" name="Imagen 2" descr=""/>
           <p:cNvPicPr/>
           <p:nvPr/>
         </p:nvPicPr>
@@ -3939,8 +3562,8 @@
         </p:blipFill>
         <p:spPr>
           <a:xfrm>
-            <a:off x="2900160" y="1560600"/>
-            <a:ext cx="6391440" cy="3736440"/>
+            <a:off x="1640880" y="2416320"/>
+            <a:ext cx="8909280" cy="2803320"/>
           </a:xfrm>
           <a:prstGeom prst="rect">
             <a:avLst/>
@@ -3982,7 +3605,7 @@
       </p:grpSpPr>
       <p:sp>
         <p:nvSpPr>
-          <p:cNvPr id="83" name="PlaceHolder 1"/>
+          <p:cNvPr id="84" name="PlaceHolder 1"/>
           <p:cNvSpPr>
             <a:spLocks noGrp="1"/>
           </p:cNvSpPr>
@@ -3993,7 +3616,7 @@
         <p:spPr>
           <a:xfrm>
             <a:off x="230400" y="440640"/>
-            <a:ext cx="11730960" cy="732960"/>
+            <a:ext cx="11730600" cy="732600"/>
           </a:xfrm>
           <a:prstGeom prst="rect">
             <a:avLst/>
@@ -4025,12 +3648,9 @@
                 <a:latin typeface="Speak Pro"/>
                 <a:ea typeface="DejaVu Sans"/>
               </a:rPr>
-              <a:t>Duplicate features</a:t>
+              <a:t>Hard-to-code categorical data</a:t>
             </a:r>
             <a:endParaRPr b="0" lang="es-ES" sz="3600" spc="-1" strike="noStrike">
-              <a:solidFill>
-                <a:srgbClr val="000000"/>
-              </a:solidFill>
               <a:latin typeface="Arial"/>
             </a:endParaRPr>
           </a:p>
@@ -4038,7 +3658,7 @@
       </p:sp>
       <p:pic>
         <p:nvPicPr>
-          <p:cNvPr id="84" name="Imagen 3" descr=""/>
+          <p:cNvPr id="85" name="Imagen 3" descr=""/>
           <p:cNvPicPr/>
           <p:nvPr/>
         </p:nvPicPr>
@@ -4048,8 +3668,8 @@
         </p:blipFill>
         <p:spPr>
           <a:xfrm>
-            <a:off x="2222640" y="2177640"/>
-            <a:ext cx="7746120" cy="2502360"/>
+            <a:off x="2814840" y="1878120"/>
+            <a:ext cx="6577200" cy="3634560"/>
           </a:xfrm>
           <a:prstGeom prst="rect">
             <a:avLst/>
@@ -4091,7 +3711,7 @@
       </p:grpSpPr>
       <p:sp>
         <p:nvSpPr>
-          <p:cNvPr id="85" name="PlaceHolder 1"/>
+          <p:cNvPr id="86" name="PlaceHolder 1"/>
           <p:cNvSpPr>
             <a:spLocks noGrp="1"/>
           </p:cNvSpPr>
@@ -4102,7 +3722,7 @@
         <p:spPr>
           <a:xfrm>
             <a:off x="230400" y="440640"/>
-            <a:ext cx="11730960" cy="732960"/>
+            <a:ext cx="11730600" cy="732600"/>
           </a:xfrm>
           <a:prstGeom prst="rect">
             <a:avLst/>
@@ -4134,12 +3754,9 @@
                 <a:latin typeface="Speak Pro"/>
                 <a:ea typeface="DejaVu Sans"/>
               </a:rPr>
-              <a:t>Duplicate samples</a:t>
+              <a:t>Draw data</a:t>
             </a:r>
             <a:endParaRPr b="0" lang="es-ES" sz="3600" spc="-1" strike="noStrike">
-              <a:solidFill>
-                <a:srgbClr val="000000"/>
-              </a:solidFill>
               <a:latin typeface="Arial"/>
             </a:endParaRPr>
           </a:p>
@@ -4147,7 +3764,7 @@
       </p:sp>
       <p:pic>
         <p:nvPicPr>
-          <p:cNvPr id="86" name="Imagen 2" descr=""/>
+          <p:cNvPr id="87" name="Imagen 2" descr=""/>
           <p:cNvPicPr/>
           <p:nvPr/>
         </p:nvPicPr>
@@ -4157,8 +3774,8 @@
         </p:blipFill>
         <p:spPr>
           <a:xfrm>
-            <a:off x="2108520" y="2009160"/>
-            <a:ext cx="7974720" cy="2839680"/>
+            <a:off x="2900160" y="1560600"/>
+            <a:ext cx="6391080" cy="3736080"/>
           </a:xfrm>
           <a:prstGeom prst="rect">
             <a:avLst/>
@@ -4200,7 +3817,7 @@
       </p:grpSpPr>
       <p:sp>
         <p:nvSpPr>
-          <p:cNvPr id="87" name="PlaceHolder 1"/>
+          <p:cNvPr id="88" name="PlaceHolder 1"/>
           <p:cNvSpPr>
             <a:spLocks noGrp="1"/>
           </p:cNvSpPr>
@@ -4210,8 +3827,8 @@
         </p:nvSpPr>
         <p:spPr>
           <a:xfrm>
-            <a:off x="148680" y="3060000"/>
-            <a:ext cx="11730960" cy="630360"/>
+            <a:off x="230400" y="440640"/>
+            <a:ext cx="11730600" cy="732600"/>
           </a:xfrm>
           <a:prstGeom prst="rect">
             <a:avLst/>
@@ -4243,17 +3860,37 @@
                 <a:latin typeface="Speak Pro"/>
                 <a:ea typeface="DejaVu Sans"/>
               </a:rPr>
-              <a:t>transformations</a:t>
+              <a:t>Duplicate features</a:t>
             </a:r>
             <a:endParaRPr b="0" lang="es-ES" sz="3600" spc="-1" strike="noStrike">
-              <a:solidFill>
-                <a:srgbClr val="000000"/>
-              </a:solidFill>
-              <a:latin typeface="Arial"/>
-            </a:endParaRPr>
-          </a:p>
-        </p:txBody>
-      </p:sp>
+              <a:latin typeface="Arial"/>
+            </a:endParaRPr>
+          </a:p>
+        </p:txBody>
+      </p:sp>
+      <p:pic>
+        <p:nvPicPr>
+          <p:cNvPr id="89" name="Imagen 3" descr=""/>
+          <p:cNvPicPr/>
+          <p:nvPr/>
+        </p:nvPicPr>
+        <p:blipFill>
+          <a:blip r:embed="rId1"/>
+          <a:stretch/>
+        </p:blipFill>
+        <p:spPr>
+          <a:xfrm>
+            <a:off x="2222640" y="2177640"/>
+            <a:ext cx="7745760" cy="2502000"/>
+          </a:xfrm>
+          <a:prstGeom prst="rect">
+            <a:avLst/>
+          </a:prstGeom>
+          <a:ln w="0">
+            <a:noFill/>
+          </a:ln>
+        </p:spPr>
+      </p:pic>
     </p:spTree>
   </p:cSld>
   <mc:AlternateContent>
@@ -4286,7 +3923,7 @@
       </p:grpSpPr>
       <p:sp>
         <p:nvSpPr>
-          <p:cNvPr id="88" name="PlaceHolder 1"/>
+          <p:cNvPr id="90" name="PlaceHolder 1"/>
           <p:cNvSpPr>
             <a:spLocks noGrp="1"/>
           </p:cNvSpPr>
@@ -4297,7 +3934,7 @@
         <p:spPr>
           <a:xfrm>
             <a:off x="230400" y="440640"/>
-            <a:ext cx="11730960" cy="732960"/>
+            <a:ext cx="11730600" cy="732600"/>
           </a:xfrm>
           <a:prstGeom prst="rect">
             <a:avLst/>
@@ -4329,12 +3966,9 @@
                 <a:latin typeface="Speak Pro"/>
                 <a:ea typeface="DejaVu Sans"/>
               </a:rPr>
-              <a:t>Trim columns</a:t>
+              <a:t>Duplicate samples</a:t>
             </a:r>
             <a:endParaRPr b="0" lang="es-ES" sz="3600" spc="-1" strike="noStrike">
-              <a:solidFill>
-                <a:srgbClr val="000000"/>
-              </a:solidFill>
               <a:latin typeface="Arial"/>
             </a:endParaRPr>
           </a:p>
@@ -4342,7 +3976,7 @@
       </p:sp>
       <p:pic>
         <p:nvPicPr>
-          <p:cNvPr id="89" name="" descr=""/>
+          <p:cNvPr id="91" name="Imagen 2" descr=""/>
           <p:cNvPicPr/>
           <p:nvPr/>
         </p:nvPicPr>
@@ -4352,8 +3986,8 @@
         </p:blipFill>
         <p:spPr>
           <a:xfrm>
-            <a:off x="2594520" y="2680200"/>
-            <a:ext cx="7305480" cy="1999800"/>
+            <a:off x="2108520" y="2009160"/>
+            <a:ext cx="7974360" cy="2839320"/>
           </a:xfrm>
           <a:prstGeom prst="rect">
             <a:avLst/>
@@ -4395,7 +4029,7 @@
       </p:grpSpPr>
       <p:sp>
         <p:nvSpPr>
-          <p:cNvPr id="90" name="PlaceHolder 1"/>
+          <p:cNvPr id="92" name="PlaceHolder 1"/>
           <p:cNvSpPr>
             <a:spLocks noGrp="1"/>
           </p:cNvSpPr>
@@ -4405,8 +4039,8 @@
         </p:nvSpPr>
         <p:spPr>
           <a:xfrm>
-            <a:off x="230400" y="440640"/>
-            <a:ext cx="11730960" cy="732960"/>
+            <a:off x="148680" y="3060000"/>
+            <a:ext cx="11730600" cy="630000"/>
           </a:xfrm>
           <a:prstGeom prst="rect">
             <a:avLst/>
@@ -4438,40 +4072,14 @@
                 <a:latin typeface="Speak Pro"/>
                 <a:ea typeface="DejaVu Sans"/>
               </a:rPr>
-              <a:t>winner</a:t>
+              <a:t>transformations</a:t>
             </a:r>
             <a:endParaRPr b="0" lang="es-ES" sz="3600" spc="-1" strike="noStrike">
-              <a:solidFill>
-                <a:srgbClr val="000000"/>
-              </a:solidFill>
-              <a:latin typeface="Arial"/>
-            </a:endParaRPr>
-          </a:p>
-        </p:txBody>
-      </p:sp>
-      <p:pic>
-        <p:nvPicPr>
-          <p:cNvPr id="91" name="Imagen 1" descr=""/>
-          <p:cNvPicPr/>
-          <p:nvPr/>
-        </p:nvPicPr>
-        <p:blipFill>
-          <a:blip r:embed="rId1"/>
-          <a:stretch/>
-        </p:blipFill>
-        <p:spPr>
-          <a:xfrm>
-            <a:off x="3139920" y="1701720"/>
-            <a:ext cx="5911920" cy="3454200"/>
-          </a:xfrm>
-          <a:prstGeom prst="rect">
-            <a:avLst/>
-          </a:prstGeom>
-          <a:ln w="0">
-            <a:noFill/>
-          </a:ln>
-        </p:spPr>
-      </p:pic>
+              <a:latin typeface="Arial"/>
+            </a:endParaRPr>
+          </a:p>
+        </p:txBody>
+      </p:sp>
     </p:spTree>
   </p:cSld>
   <mc:AlternateContent>
@@ -4504,7 +4112,7 @@
       </p:grpSpPr>
       <p:sp>
         <p:nvSpPr>
-          <p:cNvPr id="92" name="PlaceHolder 1"/>
+          <p:cNvPr id="93" name="PlaceHolder 1"/>
           <p:cNvSpPr>
             <a:spLocks noGrp="1"/>
           </p:cNvSpPr>
@@ -4515,7 +4123,7 @@
         <p:spPr>
           <a:xfrm>
             <a:off x="230400" y="440640"/>
-            <a:ext cx="11730960" cy="732960"/>
+            <a:ext cx="11730600" cy="732600"/>
           </a:xfrm>
           <a:prstGeom prst="rect">
             <a:avLst/>
@@ -4547,12 +4155,9 @@
                 <a:latin typeface="Speak Pro"/>
                 <a:ea typeface="DejaVu Sans"/>
               </a:rPr>
-              <a:t>Strings to categories</a:t>
+              <a:t>Trim columns</a:t>
             </a:r>
             <a:endParaRPr b="0" lang="es-ES" sz="3600" spc="-1" strike="noStrike">
-              <a:solidFill>
-                <a:srgbClr val="000000"/>
-              </a:solidFill>
               <a:latin typeface="Arial"/>
             </a:endParaRPr>
           </a:p>
@@ -4560,7 +4165,7 @@
       </p:sp>
       <p:pic>
         <p:nvPicPr>
-          <p:cNvPr id="93" name="Imagen 2" descr=""/>
+          <p:cNvPr id="94" name="" descr=""/>
           <p:cNvPicPr/>
           <p:nvPr/>
         </p:nvPicPr>
@@ -4570,8 +4175,8 @@
         </p:blipFill>
         <p:spPr>
           <a:xfrm>
-            <a:off x="2207880" y="2444760"/>
-            <a:ext cx="7776360" cy="1967760"/>
+            <a:off x="2594520" y="2680200"/>
+            <a:ext cx="7305120" cy="1999440"/>
           </a:xfrm>
           <a:prstGeom prst="rect">
             <a:avLst/>
@@ -4624,7 +4229,7 @@
         <p:spPr>
           <a:xfrm>
             <a:off x="230040" y="457200"/>
-            <a:ext cx="11730960" cy="630360"/>
+            <a:ext cx="11730600" cy="630000"/>
           </a:xfrm>
           <a:prstGeom prst="rect">
             <a:avLst/>
@@ -4659,9 +4264,6 @@
               <a:t>Why?</a:t>
             </a:r>
             <a:endParaRPr b="0" lang="es-ES" sz="3600" spc="-1" strike="noStrike">
-              <a:solidFill>
-                <a:srgbClr val="000000"/>
-              </a:solidFill>
               <a:latin typeface="Arial"/>
             </a:endParaRPr>
           </a:p>
@@ -4676,7 +4278,7 @@
         <p:spPr>
           <a:xfrm>
             <a:off x="1296360" y="2315520"/>
-            <a:ext cx="9863280" cy="2284200"/>
+            <a:ext cx="9862920" cy="2284200"/>
           </a:xfrm>
           <a:prstGeom prst="rect">
             <a:avLst/>
@@ -4830,7 +4432,7 @@
       </p:grpSpPr>
       <p:sp>
         <p:nvSpPr>
-          <p:cNvPr id="94" name="PlaceHolder 1"/>
+          <p:cNvPr id="95" name="PlaceHolder 1"/>
           <p:cNvSpPr>
             <a:spLocks noGrp="1"/>
           </p:cNvSpPr>
@@ -4841,7 +4443,7 @@
         <p:spPr>
           <a:xfrm>
             <a:off x="230400" y="440640"/>
-            <a:ext cx="11730960" cy="732960"/>
+            <a:ext cx="11730600" cy="732600"/>
           </a:xfrm>
           <a:prstGeom prst="rect">
             <a:avLst/>
@@ -4873,12 +4475,9 @@
                 <a:latin typeface="Speak Pro"/>
                 <a:ea typeface="DejaVu Sans"/>
               </a:rPr>
-              <a:t>Categories to dummies</a:t>
+              <a:t>winner</a:t>
             </a:r>
             <a:endParaRPr b="0" lang="es-ES" sz="3600" spc="-1" strike="noStrike">
-              <a:solidFill>
-                <a:srgbClr val="000000"/>
-              </a:solidFill>
               <a:latin typeface="Arial"/>
             </a:endParaRPr>
           </a:p>
@@ -4886,7 +4485,7 @@
       </p:sp>
       <p:pic>
         <p:nvPicPr>
-          <p:cNvPr id="95" name="Imagen 3" descr=""/>
+          <p:cNvPr id="96" name="Imagen 1" descr=""/>
           <p:cNvPicPr/>
           <p:nvPr/>
         </p:nvPicPr>
@@ -4896,8 +4495,8 @@
         </p:blipFill>
         <p:spPr>
           <a:xfrm>
-            <a:off x="2409840" y="2012400"/>
-            <a:ext cx="7371720" cy="2832840"/>
+            <a:off x="3139920" y="1701720"/>
+            <a:ext cx="5911560" cy="3453840"/>
           </a:xfrm>
           <a:prstGeom prst="rect">
             <a:avLst/>
@@ -4939,7 +4538,7 @@
       </p:grpSpPr>
       <p:sp>
         <p:nvSpPr>
-          <p:cNvPr id="96" name="PlaceHolder 1"/>
+          <p:cNvPr id="97" name="PlaceHolder 1"/>
           <p:cNvSpPr>
             <a:spLocks noGrp="1"/>
           </p:cNvSpPr>
@@ -4950,7 +4549,7 @@
         <p:spPr>
           <a:xfrm>
             <a:off x="230400" y="440640"/>
-            <a:ext cx="11730960" cy="732960"/>
+            <a:ext cx="11730600" cy="732600"/>
           </a:xfrm>
           <a:prstGeom prst="rect">
             <a:avLst/>
@@ -4982,12 +4581,9 @@
                 <a:latin typeface="Speak Pro"/>
                 <a:ea typeface="DejaVu Sans"/>
               </a:rPr>
-              <a:t>outliers</a:t>
+              <a:t>Strings to categories</a:t>
             </a:r>
             <a:endParaRPr b="0" lang="es-ES" sz="3600" spc="-1" strike="noStrike">
-              <a:solidFill>
-                <a:srgbClr val="000000"/>
-              </a:solidFill>
               <a:latin typeface="Arial"/>
             </a:endParaRPr>
           </a:p>
@@ -4995,7 +4591,7 @@
       </p:sp>
       <p:pic>
         <p:nvPicPr>
-          <p:cNvPr id="97" name="" descr=""/>
+          <p:cNvPr id="98" name="Imagen 2" descr=""/>
           <p:cNvPicPr/>
           <p:nvPr/>
         </p:nvPicPr>
@@ -5005,54 +4601,8 @@
         </p:blipFill>
         <p:spPr>
           <a:xfrm>
-            <a:off x="960480" y="2463840"/>
-            <a:ext cx="5159520" cy="2576160"/>
-          </a:xfrm>
-          <a:prstGeom prst="rect">
-            <a:avLst/>
-          </a:prstGeom>
-          <a:ln w="0">
-            <a:noFill/>
-          </a:ln>
-        </p:spPr>
-      </p:pic>
-      <p:pic>
-        <p:nvPicPr>
-          <p:cNvPr id="98" name="" descr=""/>
-          <p:cNvPicPr/>
-          <p:nvPr/>
-        </p:nvPicPr>
-        <p:blipFill>
-          <a:blip r:embed="rId2"/>
-          <a:stretch/>
-        </p:blipFill>
-        <p:spPr>
-          <a:xfrm>
-            <a:off x="7510680" y="1620000"/>
-            <a:ext cx="3289320" cy="1965600"/>
-          </a:xfrm>
-          <a:prstGeom prst="rect">
-            <a:avLst/>
-          </a:prstGeom>
-          <a:ln w="0">
-            <a:noFill/>
-          </a:ln>
-        </p:spPr>
-      </p:pic>
-      <p:pic>
-        <p:nvPicPr>
-          <p:cNvPr id="99" name="" descr=""/>
-          <p:cNvPicPr/>
-          <p:nvPr/>
-        </p:nvPicPr>
-        <p:blipFill>
-          <a:blip r:embed="rId3"/>
-          <a:stretch/>
-        </p:blipFill>
-        <p:spPr>
-          <a:xfrm>
-            <a:off x="7740000" y="3960000"/>
-            <a:ext cx="3060000" cy="1828440"/>
+            <a:off x="2207880" y="2444760"/>
+            <a:ext cx="7776000" cy="1967400"/>
           </a:xfrm>
           <a:prstGeom prst="rect">
             <a:avLst/>
@@ -5094,7 +4644,7 @@
       </p:grpSpPr>
       <p:sp>
         <p:nvSpPr>
-          <p:cNvPr id="100" name="PlaceHolder 1"/>
+          <p:cNvPr id="99" name="PlaceHolder 1"/>
           <p:cNvSpPr>
             <a:spLocks noGrp="1"/>
           </p:cNvSpPr>
@@ -5104,8 +4654,8 @@
         </p:nvSpPr>
         <p:spPr>
           <a:xfrm>
-            <a:off x="148680" y="3060000"/>
-            <a:ext cx="11730960" cy="630360"/>
+            <a:off x="230400" y="440640"/>
+            <a:ext cx="11730600" cy="732600"/>
           </a:xfrm>
           <a:prstGeom prst="rect">
             <a:avLst/>
@@ -5137,17 +4687,37 @@
                 <a:latin typeface="Speak Pro"/>
                 <a:ea typeface="DejaVu Sans"/>
               </a:rPr>
-              <a:t>Feature engineering</a:t>
+              <a:t>Categories to dummies</a:t>
             </a:r>
             <a:endParaRPr b="0" lang="es-ES" sz="3600" spc="-1" strike="noStrike">
-              <a:solidFill>
-                <a:srgbClr val="000000"/>
-              </a:solidFill>
-              <a:latin typeface="Arial"/>
-            </a:endParaRPr>
-          </a:p>
-        </p:txBody>
-      </p:sp>
+              <a:latin typeface="Arial"/>
+            </a:endParaRPr>
+          </a:p>
+        </p:txBody>
+      </p:sp>
+      <p:pic>
+        <p:nvPicPr>
+          <p:cNvPr id="100" name="Imagen 3" descr=""/>
+          <p:cNvPicPr/>
+          <p:nvPr/>
+        </p:nvPicPr>
+        <p:blipFill>
+          <a:blip r:embed="rId1"/>
+          <a:stretch/>
+        </p:blipFill>
+        <p:spPr>
+          <a:xfrm>
+            <a:off x="2409840" y="2012400"/>
+            <a:ext cx="7371360" cy="2832480"/>
+          </a:xfrm>
+          <a:prstGeom prst="rect">
+            <a:avLst/>
+          </a:prstGeom>
+          <a:ln w="0">
+            <a:noFill/>
+          </a:ln>
+        </p:spPr>
+      </p:pic>
     </p:spTree>
   </p:cSld>
   <mc:AlternateContent>
@@ -5191,7 +4761,7 @@
         <p:spPr>
           <a:xfrm>
             <a:off x="230400" y="440640"/>
-            <a:ext cx="11730960" cy="732960"/>
+            <a:ext cx="11730600" cy="732600"/>
           </a:xfrm>
           <a:prstGeom prst="rect">
             <a:avLst/>
@@ -5223,12 +4793,9 @@
                 <a:latin typeface="Speak Pro"/>
                 <a:ea typeface="DejaVu Sans"/>
               </a:rPr>
-              <a:t>The underdog</a:t>
+              <a:t>outliers</a:t>
             </a:r>
             <a:endParaRPr b="0" lang="es-ES" sz="3600" spc="-1" strike="noStrike">
-              <a:solidFill>
-                <a:srgbClr val="000000"/>
-              </a:solidFill>
               <a:latin typeface="Arial"/>
             </a:endParaRPr>
           </a:p>
@@ -5246,8 +4813,54 @@
         </p:blipFill>
         <p:spPr>
           <a:xfrm>
-            <a:off x="1620000" y="2340000"/>
-            <a:ext cx="9010440" cy="2542680"/>
+            <a:off x="960480" y="2463840"/>
+            <a:ext cx="5159160" cy="2575800"/>
+          </a:xfrm>
+          <a:prstGeom prst="rect">
+            <a:avLst/>
+          </a:prstGeom>
+          <a:ln w="0">
+            <a:noFill/>
+          </a:ln>
+        </p:spPr>
+      </p:pic>
+      <p:pic>
+        <p:nvPicPr>
+          <p:cNvPr id="103" name="" descr=""/>
+          <p:cNvPicPr/>
+          <p:nvPr/>
+        </p:nvPicPr>
+        <p:blipFill>
+          <a:blip r:embed="rId2"/>
+          <a:stretch/>
+        </p:blipFill>
+        <p:spPr>
+          <a:xfrm>
+            <a:off x="7510680" y="1620000"/>
+            <a:ext cx="3288960" cy="1965240"/>
+          </a:xfrm>
+          <a:prstGeom prst="rect">
+            <a:avLst/>
+          </a:prstGeom>
+          <a:ln w="0">
+            <a:noFill/>
+          </a:ln>
+        </p:spPr>
+      </p:pic>
+      <p:pic>
+        <p:nvPicPr>
+          <p:cNvPr id="104" name="" descr=""/>
+          <p:cNvPicPr/>
+          <p:nvPr/>
+        </p:nvPicPr>
+        <p:blipFill>
+          <a:blip r:embed="rId3"/>
+          <a:stretch/>
+        </p:blipFill>
+        <p:spPr>
+          <a:xfrm>
+            <a:off x="7740000" y="3960000"/>
+            <a:ext cx="3059640" cy="1828080"/>
           </a:xfrm>
           <a:prstGeom prst="rect">
             <a:avLst/>
@@ -5289,7 +4902,7 @@
       </p:grpSpPr>
       <p:sp>
         <p:nvSpPr>
-          <p:cNvPr id="103" name="PlaceHolder 1"/>
+          <p:cNvPr id="105" name="PlaceHolder 1"/>
           <p:cNvSpPr>
             <a:spLocks noGrp="1"/>
           </p:cNvSpPr>
@@ -5300,7 +4913,7 @@
         <p:spPr>
           <a:xfrm>
             <a:off x="148680" y="3060000"/>
-            <a:ext cx="11730960" cy="630360"/>
+            <a:ext cx="11730600" cy="630000"/>
           </a:xfrm>
           <a:prstGeom prst="rect">
             <a:avLst/>
@@ -5332,12 +4945,9 @@
                 <a:latin typeface="Speak Pro"/>
                 <a:ea typeface="DejaVu Sans"/>
               </a:rPr>
-              <a:t>results</a:t>
+              <a:t>Feature engineering</a:t>
             </a:r>
             <a:endParaRPr b="0" lang="es-ES" sz="3600" spc="-1" strike="noStrike">
-              <a:solidFill>
-                <a:srgbClr val="000000"/>
-              </a:solidFill>
               <a:latin typeface="Arial"/>
             </a:endParaRPr>
           </a:p>
@@ -5375,7 +4985,7 @@
       </p:grpSpPr>
       <p:sp>
         <p:nvSpPr>
-          <p:cNvPr id="104" name="PlaceHolder 1"/>
+          <p:cNvPr id="106" name="PlaceHolder 1"/>
           <p:cNvSpPr>
             <a:spLocks noGrp="1"/>
           </p:cNvSpPr>
@@ -5386,7 +4996,7 @@
         <p:spPr>
           <a:xfrm>
             <a:off x="230400" y="440640"/>
-            <a:ext cx="11730960" cy="732960"/>
+            <a:ext cx="11730600" cy="732600"/>
           </a:xfrm>
           <a:prstGeom prst="rect">
             <a:avLst/>
@@ -5418,12 +5028,9 @@
                 <a:latin typeface="Speak Pro"/>
                 <a:ea typeface="DejaVu Sans"/>
               </a:rPr>
-              <a:t>Biased distribution</a:t>
+              <a:t>The underdog</a:t>
             </a:r>
             <a:endParaRPr b="0" lang="es-ES" sz="3600" spc="-1" strike="noStrike">
-              <a:solidFill>
-                <a:srgbClr val="000000"/>
-              </a:solidFill>
               <a:latin typeface="Arial"/>
             </a:endParaRPr>
           </a:p>
@@ -5431,7 +5038,7 @@
       </p:sp>
       <p:pic>
         <p:nvPicPr>
-          <p:cNvPr id="105" name="" descr=""/>
+          <p:cNvPr id="107" name="" descr=""/>
           <p:cNvPicPr/>
           <p:nvPr/>
         </p:nvPicPr>
@@ -5441,8 +5048,8 @@
         </p:blipFill>
         <p:spPr>
           <a:xfrm>
-            <a:off x="3780000" y="1915560"/>
-            <a:ext cx="3975480" cy="4024440"/>
+            <a:off x="1620000" y="2340000"/>
+            <a:ext cx="9010080" cy="2542320"/>
           </a:xfrm>
           <a:prstGeom prst="rect">
             <a:avLst/>
@@ -5484,7 +5091,7 @@
       </p:grpSpPr>
       <p:sp>
         <p:nvSpPr>
-          <p:cNvPr id="106" name="PlaceHolder 1"/>
+          <p:cNvPr id="108" name="PlaceHolder 1"/>
           <p:cNvSpPr>
             <a:spLocks noGrp="1"/>
           </p:cNvSpPr>
@@ -5494,8 +5101,8 @@
         </p:nvSpPr>
         <p:spPr>
           <a:xfrm>
-            <a:off x="230400" y="440640"/>
-            <a:ext cx="11730960" cy="732960"/>
+            <a:off x="148680" y="3060000"/>
+            <a:ext cx="11730600" cy="630000"/>
           </a:xfrm>
           <a:prstGeom prst="rect">
             <a:avLst/>
@@ -5527,40 +5134,14 @@
                 <a:latin typeface="Speak Pro"/>
                 <a:ea typeface="DejaVu Sans"/>
               </a:rPr>
-              <a:t>Non-biased distribution</a:t>
+              <a:t>results</a:t>
             </a:r>
             <a:endParaRPr b="0" lang="es-ES" sz="3600" spc="-1" strike="noStrike">
-              <a:solidFill>
-                <a:srgbClr val="000000"/>
-              </a:solidFill>
-              <a:latin typeface="Arial"/>
-            </a:endParaRPr>
-          </a:p>
-        </p:txBody>
-      </p:sp>
-      <p:pic>
-        <p:nvPicPr>
-          <p:cNvPr id="107" name="" descr=""/>
-          <p:cNvPicPr/>
-          <p:nvPr/>
-        </p:nvPicPr>
-        <p:blipFill>
-          <a:blip r:embed="rId1"/>
-          <a:stretch/>
-        </p:blipFill>
-        <p:spPr>
-          <a:xfrm>
-            <a:off x="3777840" y="1800000"/>
-            <a:ext cx="3962160" cy="4011120"/>
-          </a:xfrm>
-          <a:prstGeom prst="rect">
-            <a:avLst/>
-          </a:prstGeom>
-          <a:ln w="0">
-            <a:noFill/>
-          </a:ln>
-        </p:spPr>
-      </p:pic>
+              <a:latin typeface="Arial"/>
+            </a:endParaRPr>
+          </a:p>
+        </p:txBody>
+      </p:sp>
     </p:spTree>
   </p:cSld>
   <mc:AlternateContent>
@@ -5593,7 +5174,7 @@
       </p:grpSpPr>
       <p:sp>
         <p:nvSpPr>
-          <p:cNvPr id="108" name="PlaceHolder 1"/>
+          <p:cNvPr id="109" name="PlaceHolder 1"/>
           <p:cNvSpPr>
             <a:spLocks noGrp="1"/>
           </p:cNvSpPr>
@@ -5604,7 +5185,219 @@
         <p:spPr>
           <a:xfrm>
             <a:off x="230400" y="440640"/>
-            <a:ext cx="11730960" cy="732960"/>
+            <a:ext cx="11730600" cy="732600"/>
+          </a:xfrm>
+          <a:prstGeom prst="rect">
+            <a:avLst/>
+          </a:prstGeom>
+          <a:noFill/>
+          <a:ln w="0">
+            <a:noFill/>
+          </a:ln>
+        </p:spPr>
+        <p:txBody>
+          <a:bodyPr lIns="90000" rIns="90000" tIns="45000" bIns="45000" anchor="t">
+            <a:noAutofit/>
+          </a:bodyPr>
+          <a:p>
+            <a:pPr algn="ctr">
+              <a:lnSpc>
+                <a:spcPct val="90000"/>
+              </a:lnSpc>
+              <a:spcBef>
+                <a:spcPts val="1001"/>
+              </a:spcBef>
+              <a:buNone/>
+            </a:pPr>
+            <a:r>
+              <a:rPr b="1" lang="en-US" sz="3600" spc="-1" strike="noStrike" cap="all">
+                <a:solidFill>
+                  <a:srgbClr val="000000"/>
+                </a:solidFill>
+                <a:latin typeface="Speak Pro"/>
+                <a:ea typeface="DejaVu Sans"/>
+              </a:rPr>
+              <a:t>Biased distribution</a:t>
+            </a:r>
+            <a:endParaRPr b="0" lang="es-ES" sz="3600" spc="-1" strike="noStrike">
+              <a:latin typeface="Arial"/>
+            </a:endParaRPr>
+          </a:p>
+        </p:txBody>
+      </p:sp>
+      <p:pic>
+        <p:nvPicPr>
+          <p:cNvPr id="110" name="" descr=""/>
+          <p:cNvPicPr/>
+          <p:nvPr/>
+        </p:nvPicPr>
+        <p:blipFill>
+          <a:blip r:embed="rId1"/>
+          <a:stretch/>
+        </p:blipFill>
+        <p:spPr>
+          <a:xfrm>
+            <a:off x="3780000" y="1915560"/>
+            <a:ext cx="3975120" cy="4024080"/>
+          </a:xfrm>
+          <a:prstGeom prst="rect">
+            <a:avLst/>
+          </a:prstGeom>
+          <a:ln w="0">
+            <a:noFill/>
+          </a:ln>
+        </p:spPr>
+      </p:pic>
+    </p:spTree>
+  </p:cSld>
+  <mc:AlternateContent>
+    <mc:Choice Requires="p14">
+      <p:transition spd="slow" p14:dur="2000"/>
+    </mc:Choice>
+    <mc:Fallback>
+      <p:transition spd="slow"/>
+    </mc:Fallback>
+  </mc:AlternateContent>
+</p:sld>
+</file>
+
+<file path=ppt/slides/slide38.xml><?xml version="1.0" encoding="utf-8"?>
+<p:sld xmlns:a="http://schemas.openxmlformats.org/drawingml/2006/main" xmlns:p="http://schemas.openxmlformats.org/presentationml/2006/main" xmlns:r="http://schemas.openxmlformats.org/officeDocument/2006/relationships" xmlns:p14="http://schemas.microsoft.com/office/powerpoint/2010/main" xmlns:p15="http://schemas.microsoft.com/office/powerpoint/2012/main" xmlns:mc="http://schemas.openxmlformats.org/markup-compatibility/2006">
+  <p:cSld>
+    <p:spTree>
+      <p:nvGrpSpPr>
+        <p:cNvPr id="1" name=""/>
+        <p:cNvGrpSpPr/>
+        <p:nvPr/>
+      </p:nvGrpSpPr>
+      <p:grpSpPr>
+        <a:xfrm>
+          <a:off x="0" y="0"/>
+          <a:ext cx="0" cy="0"/>
+          <a:chOff x="0" y="0"/>
+          <a:chExt cx="0" cy="0"/>
+        </a:xfrm>
+      </p:grpSpPr>
+      <p:sp>
+        <p:nvSpPr>
+          <p:cNvPr id="111" name="PlaceHolder 1"/>
+          <p:cNvSpPr>
+            <a:spLocks noGrp="1"/>
+          </p:cNvSpPr>
+          <p:nvPr>
+            <p:ph type="title"/>
+          </p:nvPr>
+        </p:nvSpPr>
+        <p:spPr>
+          <a:xfrm>
+            <a:off x="230400" y="440640"/>
+            <a:ext cx="11730600" cy="732600"/>
+          </a:xfrm>
+          <a:prstGeom prst="rect">
+            <a:avLst/>
+          </a:prstGeom>
+          <a:noFill/>
+          <a:ln w="0">
+            <a:noFill/>
+          </a:ln>
+        </p:spPr>
+        <p:txBody>
+          <a:bodyPr lIns="90000" rIns="90000" tIns="45000" bIns="45000" anchor="t">
+            <a:noAutofit/>
+          </a:bodyPr>
+          <a:p>
+            <a:pPr algn="ctr">
+              <a:lnSpc>
+                <a:spcPct val="90000"/>
+              </a:lnSpc>
+              <a:spcBef>
+                <a:spcPts val="1001"/>
+              </a:spcBef>
+              <a:buNone/>
+            </a:pPr>
+            <a:r>
+              <a:rPr b="1" lang="en-US" sz="3600" spc="-1" strike="noStrike" cap="all">
+                <a:solidFill>
+                  <a:srgbClr val="000000"/>
+                </a:solidFill>
+                <a:latin typeface="Speak Pro"/>
+                <a:ea typeface="DejaVu Sans"/>
+              </a:rPr>
+              <a:t>Non-biased distribution</a:t>
+            </a:r>
+            <a:endParaRPr b="0" lang="es-ES" sz="3600" spc="-1" strike="noStrike">
+              <a:latin typeface="Arial"/>
+            </a:endParaRPr>
+          </a:p>
+        </p:txBody>
+      </p:sp>
+      <p:pic>
+        <p:nvPicPr>
+          <p:cNvPr id="112" name="" descr=""/>
+          <p:cNvPicPr/>
+          <p:nvPr/>
+        </p:nvPicPr>
+        <p:blipFill>
+          <a:blip r:embed="rId1"/>
+          <a:stretch/>
+        </p:blipFill>
+        <p:spPr>
+          <a:xfrm>
+            <a:off x="3958200" y="1929240"/>
+            <a:ext cx="3961800" cy="4010760"/>
+          </a:xfrm>
+          <a:prstGeom prst="rect">
+            <a:avLst/>
+          </a:prstGeom>
+          <a:ln w="0">
+            <a:noFill/>
+          </a:ln>
+        </p:spPr>
+      </p:pic>
+    </p:spTree>
+  </p:cSld>
+  <mc:AlternateContent>
+    <mc:Choice Requires="p14">
+      <p:transition spd="slow" p14:dur="2000"/>
+    </mc:Choice>
+    <mc:Fallback>
+      <p:transition spd="slow"/>
+    </mc:Fallback>
+  </mc:AlternateContent>
+</p:sld>
+</file>
+
+<file path=ppt/slides/slide39.xml><?xml version="1.0" encoding="utf-8"?>
+<p:sld xmlns:a="http://schemas.openxmlformats.org/drawingml/2006/main" xmlns:p="http://schemas.openxmlformats.org/presentationml/2006/main" xmlns:r="http://schemas.openxmlformats.org/officeDocument/2006/relationships" xmlns:p14="http://schemas.microsoft.com/office/powerpoint/2010/main" xmlns:p15="http://schemas.microsoft.com/office/powerpoint/2012/main" xmlns:mc="http://schemas.openxmlformats.org/markup-compatibility/2006">
+  <p:cSld>
+    <p:spTree>
+      <p:nvGrpSpPr>
+        <p:cNvPr id="1" name=""/>
+        <p:cNvGrpSpPr/>
+        <p:nvPr/>
+      </p:nvGrpSpPr>
+      <p:grpSpPr>
+        <a:xfrm>
+          <a:off x="0" y="0"/>
+          <a:ext cx="0" cy="0"/>
+          <a:chOff x="0" y="0"/>
+          <a:chExt cx="0" cy="0"/>
+        </a:xfrm>
+      </p:grpSpPr>
+      <p:sp>
+        <p:nvSpPr>
+          <p:cNvPr id="113" name="PlaceHolder 1"/>
+          <p:cNvSpPr>
+            <a:spLocks noGrp="1"/>
+          </p:cNvSpPr>
+          <p:nvPr>
+            <p:ph type="title"/>
+          </p:nvPr>
+        </p:nvSpPr>
+        <p:spPr>
+          <a:xfrm>
+            <a:off x="230400" y="440640"/>
+            <a:ext cx="11730600" cy="732600"/>
           </a:xfrm>
           <a:prstGeom prst="rect">
             <a:avLst/>
@@ -5639,9 +5432,6 @@
               <a:t>The end</a:t>
             </a:r>
             <a:endParaRPr b="0" lang="es-ES" sz="3600" spc="-1" strike="noStrike">
-              <a:solidFill>
-                <a:srgbClr val="000000"/>
-              </a:solidFill>
               <a:latin typeface="Arial"/>
             </a:endParaRPr>
           </a:p>
@@ -5649,7 +5439,7 @@
       </p:sp>
       <p:pic>
         <p:nvPicPr>
-          <p:cNvPr id="109" name="" descr=""/>
+          <p:cNvPr id="114" name="" descr=""/>
           <p:cNvPicPr/>
           <p:nvPr/>
         </p:nvPicPr>
@@ -5660,7 +5450,7 @@
         <p:spPr>
           <a:xfrm>
             <a:off x="2950200" y="1726560"/>
-            <a:ext cx="6049800" cy="4033440"/>
+            <a:ext cx="6049440" cy="4033080"/>
           </a:xfrm>
           <a:prstGeom prst="rect">
             <a:avLst/>
@@ -5713,7 +5503,7 @@
         <p:spPr>
           <a:xfrm>
             <a:off x="230040" y="457200"/>
-            <a:ext cx="11730960" cy="630360"/>
+            <a:ext cx="11730600" cy="630000"/>
           </a:xfrm>
           <a:prstGeom prst="rect">
             <a:avLst/>
@@ -5748,9 +5538,6 @@
               <a:t>Workflow</a:t>
             </a:r>
             <a:endParaRPr b="0" lang="es-ES" sz="3600" spc="-1" strike="noStrike">
-              <a:solidFill>
-                <a:srgbClr val="000000"/>
-              </a:solidFill>
               <a:latin typeface="Arial"/>
             </a:endParaRPr>
           </a:p>
@@ -5770,7 +5557,7 @@
         <p:spPr>
           <a:xfrm>
             <a:off x="1744920" y="1713960"/>
-            <a:ext cx="3179880" cy="2543040"/>
+            <a:ext cx="3179520" cy="2542680"/>
           </a:xfrm>
           <a:prstGeom prst="rect">
             <a:avLst/>
@@ -5793,7 +5580,7 @@
         <p:spPr>
           <a:xfrm>
             <a:off x="7404480" y="1513440"/>
-            <a:ext cx="3380760" cy="4009320"/>
+            <a:ext cx="3380400" cy="4008960"/>
           </a:xfrm>
           <a:prstGeom prst="rect">
             <a:avLst/>
@@ -5816,7 +5603,7 @@
         <p:spPr>
           <a:xfrm>
             <a:off x="1785600" y="4743000"/>
-            <a:ext cx="2714040" cy="656640"/>
+            <a:ext cx="2713680" cy="656280"/>
           </a:xfrm>
           <a:prstGeom prst="rect">
             <a:avLst/>
@@ -5869,7 +5656,7 @@
         <p:spPr>
           <a:xfrm>
             <a:off x="148680" y="3060000"/>
-            <a:ext cx="11730960" cy="630360"/>
+            <a:ext cx="11730600" cy="630000"/>
           </a:xfrm>
           <a:prstGeom prst="rect">
             <a:avLst/>
@@ -5904,9 +5691,6 @@
               <a:t>AND THE DATA?</a:t>
             </a:r>
             <a:endParaRPr b="0" lang="es-ES" sz="3600" spc="-1" strike="noStrike">
-              <a:solidFill>
-                <a:srgbClr val="000000"/>
-              </a:solidFill>
               <a:latin typeface="Arial"/>
             </a:endParaRPr>
           </a:p>
@@ -5956,7 +5740,7 @@
         <p:spPr>
           <a:xfrm>
             <a:off x="720000" y="720000"/>
-            <a:ext cx="10619280" cy="5579640"/>
+            <a:ext cx="10618920" cy="5579280"/>
           </a:xfrm>
           <a:prstGeom prst="rect">
             <a:avLst/>
@@ -6004,13 +5788,13 @@
         </p:nvPicPr>
         <p:blipFill>
           <a:blip r:embed="rId1"/>
-          <a:srcRect l="0" t="21247" r="-352" b="0"/>
+          <a:srcRect l="0" t="21242" r="-352" b="0"/>
           <a:stretch/>
         </p:blipFill>
         <p:spPr>
           <a:xfrm>
             <a:off x="720000" y="720000"/>
-            <a:ext cx="10799280" cy="5399640"/>
+            <a:ext cx="10798920" cy="5399280"/>
           </a:xfrm>
           <a:prstGeom prst="rect">
             <a:avLst/>
@@ -6063,7 +5847,7 @@
         <p:spPr>
           <a:xfrm>
             <a:off x="160200" y="363240"/>
-            <a:ext cx="11730960" cy="630360"/>
+            <a:ext cx="11730600" cy="630000"/>
           </a:xfrm>
           <a:prstGeom prst="rect">
             <a:avLst/>
@@ -6098,9 +5882,6 @@
               <a:t>About the data</a:t>
             </a:r>
             <a:endParaRPr b="0" lang="es-ES" sz="3600" spc="-1" strike="noStrike">
-              <a:solidFill>
-                <a:srgbClr val="000000"/>
-              </a:solidFill>
               <a:latin typeface="Arial"/>
             </a:endParaRPr>
           </a:p>
@@ -6115,7 +5896,7 @@
         <p:spPr>
           <a:xfrm>
             <a:off x="1779480" y="2113920"/>
-            <a:ext cx="8492760" cy="2832840"/>
+            <a:ext cx="8492400" cy="2832840"/>
           </a:xfrm>
           <a:prstGeom prst="rect">
             <a:avLst/>
@@ -6305,7 +6086,7 @@
         <p:spPr>
           <a:xfrm>
             <a:off x="148680" y="3060000"/>
-            <a:ext cx="11730960" cy="630360"/>
+            <a:ext cx="11730600" cy="630000"/>
           </a:xfrm>
           <a:prstGeom prst="rect">
             <a:avLst/>
@@ -6340,9 +6121,6 @@
               <a:t>visualization</a:t>
             </a:r>
             <a:endParaRPr b="0" lang="es-ES" sz="3600" spc="-1" strike="noStrike">
-              <a:solidFill>
-                <a:srgbClr val="000000"/>
-              </a:solidFill>
               <a:latin typeface="Arial"/>
             </a:endParaRPr>
           </a:p>
